--- a/docs/Presentation.pptx
+++ b/docs/Presentation.pptx
@@ -4133,7 +4133,7 @@
         </p:nvSpPr>
         <p:spPr>
           <a:xfrm>
-            <a:off x="3354833" y="3775745"/>
+            <a:off x="3354833" y="3760464"/>
             <a:ext cx="5684863" cy="516608"/>
           </a:xfrm>
           <a:prstGeom prst="rect">
@@ -4374,8 +4374,8 @@
         </p:nvSpPr>
         <p:spPr>
           <a:xfrm>
-            <a:off x="3354833" y="2583303"/>
-            <a:ext cx="8221082" cy="748420"/>
+            <a:off x="3182398" y="2583303"/>
+            <a:ext cx="8532523" cy="779592"/>
           </a:xfrm>
           <a:prstGeom prst="rect">
             <a:avLst/>
@@ -4634,7 +4634,25 @@
                 </a:solidFill>
                 <a:latin typeface="Calibri Light" panose="020F0302020204030204"/>
               </a:rPr>
-              <a:t> termal </a:t>
+              <a:t> </a:t>
+            </a:r>
+            <a:r>
+              <a:rPr lang="pt-PT" sz="4800" b="1" dirty="0" err="1">
+                <a:solidFill>
+                  <a:sysClr val="window" lastClr="FFFFFF"/>
+                </a:solidFill>
+                <a:latin typeface="Calibri Light" panose="020F0302020204030204"/>
+              </a:rPr>
+              <a:t>thermal</a:t>
+            </a:r>
+            <a:r>
+              <a:rPr lang="pt-PT" sz="4800" b="1" dirty="0">
+                <a:solidFill>
+                  <a:sysClr val="window" lastClr="FFFFFF"/>
+                </a:solidFill>
+                <a:latin typeface="Calibri Light" panose="020F0302020204030204"/>
+              </a:rPr>
+              <a:t> </a:t>
             </a:r>
             <a:r>
               <a:rPr lang="pt-PT" sz="4800" b="1" dirty="0" err="1">
@@ -5812,12 +5830,8 @@
           </a:p>
           <a:p>
             <a:r>
-              <a:rPr lang="pt-PT" dirty="0"/>
-              <a:t>Long-</a:t>
-            </a:r>
-            <a:r>
               <a:rPr lang="pt-PT" dirty="0" err="1"/>
-              <a:t>Wavelength</a:t>
+              <a:t>LongWave</a:t>
             </a:r>
             <a:r>
               <a:rPr lang="pt-PT" dirty="0"/>
@@ -7544,20 +7558,8 @@
           </a:lstStyle>
           <a:p>
             <a:r>
-              <a:rPr lang="pt-PT" sz="5400" b="1" dirty="0" err="1"/>
-              <a:t>Image</a:t>
-            </a:r>
-            <a:r>
               <a:rPr lang="pt-PT" sz="5400" b="1" dirty="0"/>
-              <a:t> </a:t>
-            </a:r>
-            <a:r>
-              <a:rPr lang="pt-PT" sz="5400" b="1" dirty="0" err="1"/>
-              <a:t>Matching</a:t>
-            </a:r>
-            <a:r>
-              <a:rPr lang="pt-PT" sz="5400" b="1" dirty="0"/>
-              <a:t> - Resultado</a:t>
+              <a:t>Resultado</a:t>
             </a:r>
           </a:p>
         </p:txBody>
@@ -7701,6 +7703,12 @@
           <a:p>
             <a:r>
               <a:rPr lang="pt-PT" dirty="0"/>
+              <a:t>Uso de outros métodos para melhor calibração</a:t>
+            </a:r>
+          </a:p>
+          <a:p>
+            <a:r>
+              <a:rPr lang="pt-PT" dirty="0"/>
               <a:t>Geração de imagem térmica de alta resolução a partir de informação de contorno da imagem a cores</a:t>
             </a:r>
           </a:p>
@@ -7913,8 +7921,8 @@
         </p:blipFill>
         <p:spPr>
           <a:xfrm>
-            <a:off x="6657248" y="3327412"/>
-            <a:ext cx="3828405" cy="3828405"/>
+            <a:off x="7027193" y="3697357"/>
+            <a:ext cx="3458460" cy="3458460"/>
           </a:xfrm>
           <a:prstGeom prst="rect">
             <a:avLst/>
@@ -7976,7 +7984,7 @@
         <p:spPr/>
         <p:txBody>
           <a:bodyPr>
-            <a:normAutofit lnSpcReduction="10000"/>
+            <a:normAutofit/>
           </a:bodyPr>
           <a:lstStyle/>
           <a:p>
@@ -8005,11 +8013,17 @@
           </a:p>
           <a:p>
             <a:r>
+              <a:rPr lang="pt-PT" dirty="0" err="1"/>
+              <a:t>Image</a:t>
+            </a:r>
+            <a:r>
               <a:rPr lang="pt-PT" dirty="0"/>
-              <a:t>Criação de imagem térmica de melhor resolução</a:t>
-            </a:r>
-          </a:p>
-          <a:p>
+              <a:t> </a:t>
+            </a:r>
+            <a:r>
+              <a:rPr lang="pt-PT" dirty="0" err="1"/>
+              <a:t>matching</a:t>
+            </a:r>
             <a:endParaRPr lang="pt-PT" dirty="0"/>
           </a:p>
           <a:p>
@@ -8440,20 +8454,6 @@
               <a:t>evaluation</a:t>
             </a:r>
             <a:endParaRPr lang="pt-PT" dirty="0"/>
-          </a:p>
-          <a:p>
-            <a:r>
-              <a:rPr lang="pt-PT" dirty="0"/>
-              <a:t>cseweb.ucsd.edu/~yuc007/</a:t>
-            </a:r>
-            <a:r>
-              <a:rPr lang="pt-PT" dirty="0" err="1"/>
-              <a:t>documents</a:t>
-            </a:r>
-            <a:r>
-              <a:rPr lang="pt-PT" dirty="0"/>
-              <a:t>/thermal.pdf</a:t>
-            </a:r>
           </a:p>
         </p:txBody>
       </p:sp>

--- a/docs/Presentation.pptx
+++ b/docs/Presentation.pptx
@@ -16,7 +16,7 @@
     <p:sldId id="341" r:id="rId4"/>
     <p:sldId id="348" r:id="rId5"/>
     <p:sldId id="350" r:id="rId6"/>
-    <p:sldId id="351" r:id="rId7"/>
+    <p:sldId id="361" r:id="rId7"/>
     <p:sldId id="352" r:id="rId8"/>
     <p:sldId id="343" r:id="rId9"/>
     <p:sldId id="356" r:id="rId10"/>
@@ -286,7 +286,7 @@
           <a:p>
             <a:fld id="{34C3DAA2-F96A-4D64-AC7D-E508F6D060FE}" type="slidenum">
               <a:rPr lang="pt-PT" smtClean="0"/>
-              <a:t>‹nº›</a:t>
+              <a:t>‹#›</a:t>
             </a:fld>
             <a:endParaRPr lang="pt-PT"/>
           </a:p>
@@ -545,7 +545,7 @@
           <a:p>
             <a:fld id="{01B71F56-AC98-4B77-9FDE-F0AFE8E5E90B}" type="slidenum">
               <a:rPr lang="pt-PT" smtClean="0"/>
-              <a:t>‹nº›</a:t>
+              <a:t>‹#›</a:t>
             </a:fld>
             <a:endParaRPr lang="pt-PT"/>
           </a:p>
@@ -1006,7 +1006,7 @@
           <a:p>
             <a:fld id="{8A13CC33-CAA6-4B3A-90CD-0E5AF312F97E}" type="slidenum">
               <a:rPr lang="pt-PT" smtClean="0"/>
-              <a:t>‹nº›</a:t>
+              <a:t>‹#›</a:t>
             </a:fld>
             <a:endParaRPr lang="pt-PT"/>
           </a:p>
@@ -1188,7 +1188,7 @@
           <a:p>
             <a:fld id="{8A13CC33-CAA6-4B3A-90CD-0E5AF312F97E}" type="slidenum">
               <a:rPr lang="pt-PT" smtClean="0"/>
-              <a:t>‹nº›</a:t>
+              <a:t>‹#›</a:t>
             </a:fld>
             <a:endParaRPr lang="pt-PT"/>
           </a:p>
@@ -1380,7 +1380,7 @@
           <a:p>
             <a:fld id="{8A13CC33-CAA6-4B3A-90CD-0E5AF312F97E}" type="slidenum">
               <a:rPr lang="pt-PT" smtClean="0"/>
-              <a:t>‹nº›</a:t>
+              <a:t>‹#›</a:t>
             </a:fld>
             <a:endParaRPr lang="pt-PT"/>
           </a:p>
@@ -1562,7 +1562,7 @@
           <a:p>
             <a:fld id="{8A13CC33-CAA6-4B3A-90CD-0E5AF312F97E}" type="slidenum">
               <a:rPr lang="pt-PT" smtClean="0"/>
-              <a:t>‹nº›</a:t>
+              <a:t>‹#›</a:t>
             </a:fld>
             <a:endParaRPr lang="pt-PT"/>
           </a:p>
@@ -1820,7 +1820,7 @@
           <a:p>
             <a:fld id="{8A13CC33-CAA6-4B3A-90CD-0E5AF312F97E}" type="slidenum">
               <a:rPr lang="pt-PT" smtClean="0"/>
-              <a:t>‹nº›</a:t>
+              <a:t>‹#›</a:t>
             </a:fld>
             <a:endParaRPr lang="pt-PT"/>
           </a:p>
@@ -2064,7 +2064,7 @@
           <a:p>
             <a:fld id="{8A13CC33-CAA6-4B3A-90CD-0E5AF312F97E}" type="slidenum">
               <a:rPr lang="pt-PT" smtClean="0"/>
-              <a:t>‹nº›</a:t>
+              <a:t>‹#›</a:t>
             </a:fld>
             <a:endParaRPr lang="pt-PT"/>
           </a:p>
@@ -2443,7 +2443,7 @@
           <a:p>
             <a:fld id="{8A13CC33-CAA6-4B3A-90CD-0E5AF312F97E}" type="slidenum">
               <a:rPr lang="pt-PT" smtClean="0"/>
-              <a:t>‹nº›</a:t>
+              <a:t>‹#›</a:t>
             </a:fld>
             <a:endParaRPr lang="pt-PT"/>
           </a:p>
@@ -2573,7 +2573,7 @@
           <a:p>
             <a:fld id="{8A13CC33-CAA6-4B3A-90CD-0E5AF312F97E}" type="slidenum">
               <a:rPr lang="pt-PT" smtClean="0"/>
-              <a:t>‹nº›</a:t>
+              <a:t>‹#›</a:t>
             </a:fld>
             <a:endParaRPr lang="pt-PT"/>
           </a:p>
@@ -2680,7 +2680,7 @@
           <a:p>
             <a:fld id="{8A13CC33-CAA6-4B3A-90CD-0E5AF312F97E}" type="slidenum">
               <a:rPr lang="pt-PT" smtClean="0"/>
-              <a:t>‹nº›</a:t>
+              <a:t>‹#›</a:t>
             </a:fld>
             <a:endParaRPr lang="pt-PT"/>
           </a:p>
@@ -2969,7 +2969,7 @@
           <a:p>
             <a:fld id="{8A13CC33-CAA6-4B3A-90CD-0E5AF312F97E}" type="slidenum">
               <a:rPr lang="pt-PT" smtClean="0"/>
-              <a:t>‹nº›</a:t>
+              <a:t>‹#›</a:t>
             </a:fld>
             <a:endParaRPr lang="pt-PT"/>
           </a:p>
@@ -3238,7 +3238,7 @@
           <a:p>
             <a:fld id="{8A13CC33-CAA6-4B3A-90CD-0E5AF312F97E}" type="slidenum">
               <a:rPr lang="pt-PT" smtClean="0"/>
-              <a:t>‹nº›</a:t>
+              <a:t>‹#›</a:t>
             </a:fld>
             <a:endParaRPr lang="pt-PT"/>
           </a:p>
@@ -3502,7 +3502,7 @@
           <a:p>
             <a:fld id="{8A13CC33-CAA6-4B3A-90CD-0E5AF312F97E}" type="slidenum">
               <a:rPr lang="pt-PT" smtClean="0"/>
-              <a:t>‹nº›</a:t>
+              <a:t>‹#›</a:t>
             </a:fld>
             <a:endParaRPr lang="pt-PT"/>
           </a:p>
@@ -5504,6 +5504,36 @@
           </a:p>
         </p:txBody>
       </p:sp>
+      <p:pic>
+        <p:nvPicPr>
+          <p:cNvPr id="2" name="Picture 1"/>
+          <p:cNvPicPr>
+            <a:picLocks noChangeAspect="1"/>
+          </p:cNvPicPr>
+          <p:nvPr/>
+        </p:nvPicPr>
+        <p:blipFill>
+          <a:blip r:embed="rId2">
+            <a:extLst>
+              <a:ext uri="{28A0092B-C50C-407E-A947-70E740481C1C}">
+                <a14:useLocalDpi xmlns:a14="http://schemas.microsoft.com/office/drawing/2010/main" val="0"/>
+              </a:ext>
+            </a:extLst>
+          </a:blip>
+          <a:stretch>
+            <a:fillRect/>
+          </a:stretch>
+        </p:blipFill>
+        <p:spPr>
+          <a:xfrm>
+            <a:off x="6825794" y="4094454"/>
+            <a:ext cx="2859743" cy="2859743"/>
+          </a:xfrm>
+          <a:prstGeom prst="rect">
+            <a:avLst/>
+          </a:prstGeom>
+        </p:spPr>
+      </p:pic>
     </p:spTree>
     <p:extLst>
       <p:ext uri="{BB962C8B-B14F-4D97-AF65-F5344CB8AC3E}">
@@ -6077,6 +6107,57 @@
           </a:prstGeom>
         </p:spPr>
       </p:pic>
+      <p:pic>
+        <p:nvPicPr>
+          <p:cNvPr id="1026" name="Picture 2" descr="https://cdn.sparkfun.com/assets/parts/1/0/4/0/9/13233-01.jpg"/>
+          <p:cNvPicPr>
+            <a:picLocks noChangeAspect="1" noChangeArrowheads="1"/>
+          </p:cNvPicPr>
+          <p:nvPr/>
+        </p:nvPicPr>
+        <p:blipFill>
+          <a:blip r:embed="rId3">
+            <a:clrChange>
+              <a:clrFrom>
+                <a:srgbClr val="FFFFFF"/>
+              </a:clrFrom>
+              <a:clrTo>
+                <a:srgbClr val="FFFFFF">
+                  <a:alpha val="0"/>
+                </a:srgbClr>
+              </a:clrTo>
+            </a:clrChange>
+            <a:extLst>
+              <a:ext uri="{28A0092B-C50C-407E-A947-70E740481C1C}">
+                <a14:useLocalDpi xmlns:a14="http://schemas.microsoft.com/office/drawing/2010/main" val="0"/>
+              </a:ext>
+            </a:extLst>
+          </a:blip>
+          <a:srcRect/>
+          <a:stretch>
+            <a:fillRect/>
+          </a:stretch>
+        </p:blipFill>
+        <p:spPr bwMode="auto">
+          <a:xfrm>
+            <a:off x="3102747" y="4049510"/>
+            <a:ext cx="2611513" cy="2611513"/>
+          </a:xfrm>
+          <a:prstGeom prst="rect">
+            <a:avLst/>
+          </a:prstGeom>
+          <a:noFill/>
+          <a:extLst>
+            <a:ext uri="{909E8E84-426E-40DD-AFC4-6F175D3DCCD1}">
+              <a14:hiddenFill xmlns:a14="http://schemas.microsoft.com/office/drawing/2010/main">
+                <a:solidFill>
+                  <a:srgbClr val="FFFFFF"/>
+                </a:solidFill>
+              </a14:hiddenFill>
+            </a:ext>
+          </a:extLst>
+        </p:spPr>
+      </p:pic>
     </p:spTree>
     <p:extLst>
       <p:ext uri="{BB962C8B-B14F-4D97-AF65-F5344CB8AC3E}">
@@ -7233,8 +7314,13 @@
           <a:p>
             <a:r>
               <a:rPr lang="pt-PT" sz="5400" b="1" dirty="0"/>
-              <a:t>Resolução do problema</a:t>
-            </a:r>
+              <a:t>Calibração das </a:t>
+            </a:r>
+            <a:r>
+              <a:rPr lang="pt-PT" sz="5400" b="1" dirty="0" err="1"/>
+              <a:t>cameras</a:t>
+            </a:r>
+            <a:endParaRPr lang="pt-PT" sz="5400" b="1" dirty="0"/>
           </a:p>
         </p:txBody>
       </p:sp>
@@ -7248,7 +7334,12 @@
             <p:ph idx="1"/>
           </p:nvPr>
         </p:nvSpPr>
-        <p:spPr/>
+        <p:spPr>
+          <a:xfrm>
+            <a:off x="838200" y="1825625"/>
+            <a:ext cx="10515600" cy="1131584"/>
+          </a:xfrm>
+        </p:spPr>
         <p:txBody>
           <a:bodyPr/>
           <a:lstStyle/>
@@ -7269,7 +7360,7 @@
           <a:p>
             <a:r>
               <a:rPr lang="pt-PT" dirty="0"/>
-              <a:t>Seleção manual dos pontos</a:t>
+              <a:t>Seleção manual dos pontos de referencia para calibração</a:t>
             </a:r>
           </a:p>
           <a:p>
@@ -7558,9 +7649,18 @@
           </a:lstStyle>
           <a:p>
             <a:r>
+              <a:rPr lang="pt-PT" sz="5400" b="1" dirty="0" err="1"/>
+              <a:t>Image</a:t>
+            </a:r>
+            <a:r>
               <a:rPr lang="pt-PT" sz="5400" b="1" dirty="0"/>
-              <a:t>Resultado</a:t>
-            </a:r>
+              <a:t> </a:t>
+            </a:r>
+            <a:r>
+              <a:rPr lang="pt-PT" sz="5400" b="1" dirty="0" err="1"/>
+              <a:t>Matching</a:t>
+            </a:r>
+            <a:endParaRPr lang="pt-PT" sz="5400" b="1" dirty="0"/>
           </a:p>
         </p:txBody>
       </p:sp>
@@ -7713,6 +7813,20 @@
             </a:r>
           </a:p>
           <a:p>
+            <a:r>
+              <a:rPr lang="pt-PT" dirty="0"/>
+              <a:t>Local </a:t>
+            </a:r>
+            <a:r>
+              <a:rPr lang="pt-PT" dirty="0" err="1"/>
+              <a:t>features</a:t>
+            </a:r>
+            <a:r>
+              <a:rPr lang="pt-PT" dirty="0"/>
+              <a:t> para expressões faciais</a:t>
+            </a:r>
+          </a:p>
+          <a:p>
             <a:endParaRPr lang="pt-PT" dirty="0"/>
           </a:p>
         </p:txBody>
@@ -8039,7 +8153,7 @@
             </a:r>
             <a:r>
               <a:rPr lang="pt-PT" dirty="0"/>
-              <a:t> 3.2 | C++ 11 | GCC</a:t>
+              <a:t> 3.2 | C++ 11 | GCC 6.2</a:t>
             </a:r>
           </a:p>
         </p:txBody>
@@ -9814,6 +9928,106 @@
           </a:prstGeom>
         </p:spPr>
       </p:pic>
+      <p:pic>
+        <p:nvPicPr>
+          <p:cNvPr id="3" name="Picture 2"/>
+          <p:cNvPicPr>
+            <a:picLocks noChangeAspect="1"/>
+          </p:cNvPicPr>
+          <p:nvPr/>
+        </p:nvPicPr>
+        <p:blipFill>
+          <a:blip r:embed="rId3">
+            <a:extLst>
+              <a:ext uri="{28A0092B-C50C-407E-A947-70E740481C1C}">
+                <a14:useLocalDpi xmlns:a14="http://schemas.microsoft.com/office/drawing/2010/main" val="0"/>
+              </a:ext>
+            </a:extLst>
+          </a:blip>
+          <a:stretch>
+            <a:fillRect/>
+          </a:stretch>
+        </p:blipFill>
+        <p:spPr>
+          <a:xfrm>
+            <a:off x="4639780" y="3185644"/>
+            <a:ext cx="581827" cy="581827"/>
+          </a:xfrm>
+          <a:prstGeom prst="rect">
+            <a:avLst/>
+          </a:prstGeom>
+        </p:spPr>
+      </p:pic>
+      <p:pic>
+        <p:nvPicPr>
+          <p:cNvPr id="4" name="Picture 3"/>
+          <p:cNvPicPr>
+            <a:picLocks noChangeAspect="1"/>
+          </p:cNvPicPr>
+          <p:nvPr/>
+        </p:nvPicPr>
+        <p:blipFill>
+          <a:blip r:embed="rId4">
+            <a:extLst>
+              <a:ext uri="{28A0092B-C50C-407E-A947-70E740481C1C}">
+                <a14:useLocalDpi xmlns:a14="http://schemas.microsoft.com/office/drawing/2010/main" val="0"/>
+              </a:ext>
+            </a:extLst>
+          </a:blip>
+          <a:stretch>
+            <a:fillRect/>
+          </a:stretch>
+        </p:blipFill>
+        <p:spPr>
+          <a:xfrm>
+            <a:off x="4480342" y="5758824"/>
+            <a:ext cx="759516" cy="759516"/>
+          </a:xfrm>
+          <a:prstGeom prst="rect">
+            <a:avLst/>
+          </a:prstGeom>
+        </p:spPr>
+      </p:pic>
+      <p:pic>
+        <p:nvPicPr>
+          <p:cNvPr id="7" name="Picture 6"/>
+          <p:cNvPicPr>
+            <a:picLocks noChangeAspect="1"/>
+          </p:cNvPicPr>
+          <p:nvPr/>
+        </p:nvPicPr>
+        <p:blipFill>
+          <a:blip r:embed="rId5">
+            <a:clrChange>
+              <a:clrFrom>
+                <a:srgbClr val="363E4B"/>
+              </a:clrFrom>
+              <a:clrTo>
+                <a:srgbClr val="363E4B">
+                  <a:alpha val="0"/>
+                </a:srgbClr>
+              </a:clrTo>
+            </a:clrChange>
+            <a:extLst>
+              <a:ext uri="{28A0092B-C50C-407E-A947-70E740481C1C}">
+                <a14:useLocalDpi xmlns:a14="http://schemas.microsoft.com/office/drawing/2010/main" val="0"/>
+              </a:ext>
+            </a:extLst>
+          </a:blip>
+          <a:stretch>
+            <a:fillRect/>
+          </a:stretch>
+        </p:blipFill>
+        <p:spPr>
+          <a:xfrm>
+            <a:off x="4717663" y="4598892"/>
+            <a:ext cx="589277" cy="589277"/>
+          </a:xfrm>
+          <a:prstGeom prst="rect">
+            <a:avLst/>
+          </a:prstGeom>
+        </p:spPr>
+      </p:pic>
     </p:spTree>
     <p:extLst>
       <p:ext uri="{BB962C8B-B14F-4D97-AF65-F5344CB8AC3E}">
@@ -10090,7 +10304,7 @@
         <p:spPr>
           <a:xfrm>
             <a:off x="838200" y="1825624"/>
-            <a:ext cx="9629273" cy="3708901"/>
+            <a:ext cx="9629273" cy="1581681"/>
           </a:xfrm>
         </p:spPr>
         <p:txBody>
@@ -10103,9 +10317,54 @@
             </a:r>
           </a:p>
           <a:p>
-            <a:endParaRPr lang="pt-PT" dirty="0"/>
-          </a:p>
-          <a:p>
+            <a:r>
+              <a:rPr lang="pt-PT" dirty="0"/>
+              <a:t>Método descrito no </a:t>
+            </a:r>
+            <a:r>
+              <a:rPr lang="pt-PT" dirty="0" err="1"/>
+              <a:t>paper</a:t>
+            </a:r>
+            <a:r>
+              <a:rPr lang="pt-PT" dirty="0"/>
+              <a:t> “</a:t>
+            </a:r>
+            <a:r>
+              <a:rPr lang="en-US" dirty="0"/>
+              <a:t>Accurate eye </a:t>
+            </a:r>
+            <a:r>
+              <a:rPr lang="en-US" dirty="0" err="1"/>
+              <a:t>centre</a:t>
+            </a:r>
+            <a:r>
+              <a:rPr lang="en-US" dirty="0"/>
+              <a:t> </a:t>
+            </a:r>
+            <a:r>
+              <a:rPr lang="en-US" dirty="0" err="1"/>
+              <a:t>localisation</a:t>
+            </a:r>
+            <a:r>
+              <a:rPr lang="en-US" dirty="0"/>
+              <a:t> by means of Gradients” Fabian </a:t>
+            </a:r>
+            <a:r>
+              <a:rPr lang="en-US" dirty="0" err="1"/>
+              <a:t>Timm</a:t>
+            </a:r>
+            <a:r>
+              <a:rPr lang="en-US" dirty="0"/>
+              <a:t> e </a:t>
+            </a:r>
+            <a:r>
+              <a:rPr lang="en-US" dirty="0" err="1"/>
+              <a:t>Erhardt</a:t>
+            </a:r>
+            <a:r>
+              <a:rPr lang="en-US" dirty="0"/>
+              <a:t> Barth.</a:t>
+            </a:r>
             <a:endParaRPr lang="pt-PT" dirty="0"/>
           </a:p>
           <a:p>
@@ -10113,13 +10372,131 @@
               <a:buNone/>
             </a:pPr>
             <a:endParaRPr lang="pt-PT" dirty="0"/>
+          </a:p>
+        </p:txBody>
+      </p:sp>
+      <p:sp>
+        <p:nvSpPr>
+          <p:cNvPr id="2" name="Rectangle 1"/>
+          <p:cNvSpPr/>
+          <p:nvPr/>
+        </p:nvSpPr>
+        <p:spPr>
+          <a:xfrm>
+            <a:off x="767178" y="3179124"/>
+            <a:ext cx="7240480" cy="1569660"/>
+          </a:xfrm>
+          <a:prstGeom prst="rect">
+            <a:avLst/>
+          </a:prstGeom>
+        </p:spPr>
+        <p:txBody>
+          <a:bodyPr wrap="square">
+            <a:spAutoFit/>
+          </a:bodyPr>
+          <a:lstStyle/>
+          <a:p>
+            <a:pPr marL="742950" lvl="1" indent="-285750">
+              <a:buFont typeface="Arial" panose="020B0604020202020204" pitchFamily="34" charset="0"/>
+              <a:buChar char="•"/>
+            </a:pPr>
+            <a:r>
+              <a:rPr lang="en-US" sz="2400" dirty="0" err="1"/>
+              <a:t>Calculados</a:t>
+            </a:r>
+            <a:r>
+              <a:rPr lang="en-US" sz="2400" dirty="0"/>
+              <a:t> </a:t>
+            </a:r>
+            <a:r>
+              <a:rPr lang="en-US" sz="2400" dirty="0" err="1"/>
+              <a:t>vetores</a:t>
+            </a:r>
+            <a:r>
+              <a:rPr lang="en-US" sz="2400" dirty="0"/>
+              <a:t> </a:t>
+            </a:r>
+            <a:r>
+              <a:rPr lang="en-US" sz="2400" dirty="0" err="1"/>
+              <a:t>gradiente</a:t>
+            </a:r>
+            <a:r>
+              <a:rPr lang="en-US" sz="2400" dirty="0"/>
+              <a:t> </a:t>
+            </a:r>
+            <a:r>
+              <a:rPr lang="en-US" sz="2400" dirty="0" err="1"/>
+              <a:t>ao</a:t>
+            </a:r>
+            <a:r>
+              <a:rPr lang="en-US" sz="2400" dirty="0"/>
+              <a:t> </a:t>
+            </a:r>
+            <a:r>
+              <a:rPr lang="en-US" sz="2400" dirty="0" err="1"/>
+              <a:t>longo</a:t>
+            </a:r>
+            <a:r>
+              <a:rPr lang="en-US" sz="2400" dirty="0"/>
+              <a:t> da </a:t>
+            </a:r>
+            <a:r>
+              <a:rPr lang="en-US" sz="2400" dirty="0" err="1"/>
+              <a:t>imagem</a:t>
+            </a:r>
+            <a:endParaRPr lang="en-US" sz="2400" dirty="0"/>
+          </a:p>
+          <a:p>
+            <a:pPr marL="742950" lvl="1" indent="-285750">
+              <a:buFont typeface="Arial" panose="020B0604020202020204" pitchFamily="34" charset="0"/>
+              <a:buChar char="•"/>
+            </a:pPr>
+            <a:r>
+              <a:rPr lang="en-US" sz="2400" dirty="0" err="1"/>
+              <a:t>Função</a:t>
+            </a:r>
+            <a:r>
+              <a:rPr lang="en-US" sz="2400" dirty="0"/>
+              <a:t> soma do </a:t>
+            </a:r>
+            <a:r>
+              <a:rPr lang="en-US" sz="2400" dirty="0" err="1"/>
+              <a:t>produtos</a:t>
+            </a:r>
+            <a:r>
+              <a:rPr lang="en-US" sz="2400" dirty="0"/>
+              <a:t> </a:t>
+            </a:r>
+            <a:r>
+              <a:rPr lang="en-US" sz="2400" dirty="0" err="1"/>
+              <a:t>internos</a:t>
+            </a:r>
+            <a:r>
+              <a:rPr lang="en-US" sz="2400" dirty="0"/>
+              <a:t> entre </a:t>
+            </a:r>
+            <a:r>
+              <a:rPr lang="en-US" sz="2400" dirty="0" err="1"/>
+              <a:t>vetores</a:t>
+            </a:r>
+            <a:endParaRPr lang="en-US" sz="2400" dirty="0"/>
+          </a:p>
+          <a:p>
+            <a:pPr marL="742950" lvl="1" indent="-285750">
+              <a:buFont typeface="Arial" panose="020B0604020202020204" pitchFamily="34" charset="0"/>
+              <a:buChar char="•"/>
+            </a:pPr>
+            <a:r>
+              <a:rPr lang="pt-PT" sz="2400" dirty="0"/>
+              <a:t>Máximo desta função indica ponto de maior intersecção de vetores gradiente (Centro do olho)</a:t>
+            </a:r>
           </a:p>
         </p:txBody>
       </p:sp>
     </p:spTree>
     <p:extLst>
       <p:ext uri="{BB962C8B-B14F-4D97-AF65-F5344CB8AC3E}">
-        <p14:creationId xmlns:p14="http://schemas.microsoft.com/office/powerpoint/2010/main" val="3100282828"/>
+        <p14:creationId xmlns:p14="http://schemas.microsoft.com/office/powerpoint/2010/main" val="2985911266"/>
       </p:ext>
     </p:extLst>
   </p:cSld>

--- a/docs/Presentation.pptx
+++ b/docs/Presentation.pptx
@@ -286,7 +286,7 @@
           <a:p>
             <a:fld id="{34C3DAA2-F96A-4D64-AC7D-E508F6D060FE}" type="slidenum">
               <a:rPr lang="pt-PT" smtClean="0"/>
-              <a:t>‹#›</a:t>
+              <a:t>‹nº›</a:t>
             </a:fld>
             <a:endParaRPr lang="pt-PT"/>
           </a:p>
@@ -545,7 +545,7 @@
           <a:p>
             <a:fld id="{01B71F56-AC98-4B77-9FDE-F0AFE8E5E90B}" type="slidenum">
               <a:rPr lang="pt-PT" smtClean="0"/>
-              <a:t>‹#›</a:t>
+              <a:t>‹nº›</a:t>
             </a:fld>
             <a:endParaRPr lang="pt-PT"/>
           </a:p>
@@ -1006,7 +1006,7 @@
           <a:p>
             <a:fld id="{8A13CC33-CAA6-4B3A-90CD-0E5AF312F97E}" type="slidenum">
               <a:rPr lang="pt-PT" smtClean="0"/>
-              <a:t>‹#›</a:t>
+              <a:t>‹nº›</a:t>
             </a:fld>
             <a:endParaRPr lang="pt-PT"/>
           </a:p>
@@ -1188,7 +1188,7 @@
           <a:p>
             <a:fld id="{8A13CC33-CAA6-4B3A-90CD-0E5AF312F97E}" type="slidenum">
               <a:rPr lang="pt-PT" smtClean="0"/>
-              <a:t>‹#›</a:t>
+              <a:t>‹nº›</a:t>
             </a:fld>
             <a:endParaRPr lang="pt-PT"/>
           </a:p>
@@ -1380,7 +1380,7 @@
           <a:p>
             <a:fld id="{8A13CC33-CAA6-4B3A-90CD-0E5AF312F97E}" type="slidenum">
               <a:rPr lang="pt-PT" smtClean="0"/>
-              <a:t>‹#›</a:t>
+              <a:t>‹nº›</a:t>
             </a:fld>
             <a:endParaRPr lang="pt-PT"/>
           </a:p>
@@ -1562,7 +1562,7 @@
           <a:p>
             <a:fld id="{8A13CC33-CAA6-4B3A-90CD-0E5AF312F97E}" type="slidenum">
               <a:rPr lang="pt-PT" smtClean="0"/>
-              <a:t>‹#›</a:t>
+              <a:t>‹nº›</a:t>
             </a:fld>
             <a:endParaRPr lang="pt-PT"/>
           </a:p>
@@ -1820,7 +1820,7 @@
           <a:p>
             <a:fld id="{8A13CC33-CAA6-4B3A-90CD-0E5AF312F97E}" type="slidenum">
               <a:rPr lang="pt-PT" smtClean="0"/>
-              <a:t>‹#›</a:t>
+              <a:t>‹nº›</a:t>
             </a:fld>
             <a:endParaRPr lang="pt-PT"/>
           </a:p>
@@ -2064,7 +2064,7 @@
           <a:p>
             <a:fld id="{8A13CC33-CAA6-4B3A-90CD-0E5AF312F97E}" type="slidenum">
               <a:rPr lang="pt-PT" smtClean="0"/>
-              <a:t>‹#›</a:t>
+              <a:t>‹nº›</a:t>
             </a:fld>
             <a:endParaRPr lang="pt-PT"/>
           </a:p>
@@ -2443,7 +2443,7 @@
           <a:p>
             <a:fld id="{8A13CC33-CAA6-4B3A-90CD-0E5AF312F97E}" type="slidenum">
               <a:rPr lang="pt-PT" smtClean="0"/>
-              <a:t>‹#›</a:t>
+              <a:t>‹nº›</a:t>
             </a:fld>
             <a:endParaRPr lang="pt-PT"/>
           </a:p>
@@ -2573,7 +2573,7 @@
           <a:p>
             <a:fld id="{8A13CC33-CAA6-4B3A-90CD-0E5AF312F97E}" type="slidenum">
               <a:rPr lang="pt-PT" smtClean="0"/>
-              <a:t>‹#›</a:t>
+              <a:t>‹nº›</a:t>
             </a:fld>
             <a:endParaRPr lang="pt-PT"/>
           </a:p>
@@ -2680,7 +2680,7 @@
           <a:p>
             <a:fld id="{8A13CC33-CAA6-4B3A-90CD-0E5AF312F97E}" type="slidenum">
               <a:rPr lang="pt-PT" smtClean="0"/>
-              <a:t>‹#›</a:t>
+              <a:t>‹nº›</a:t>
             </a:fld>
             <a:endParaRPr lang="pt-PT"/>
           </a:p>
@@ -2969,7 +2969,7 @@
           <a:p>
             <a:fld id="{8A13CC33-CAA6-4B3A-90CD-0E5AF312F97E}" type="slidenum">
               <a:rPr lang="pt-PT" smtClean="0"/>
-              <a:t>‹#›</a:t>
+              <a:t>‹nº›</a:t>
             </a:fld>
             <a:endParaRPr lang="pt-PT"/>
           </a:p>
@@ -3238,7 +3238,7 @@
           <a:p>
             <a:fld id="{8A13CC33-CAA6-4B3A-90CD-0E5AF312F97E}" type="slidenum">
               <a:rPr lang="pt-PT" smtClean="0"/>
-              <a:t>‹#›</a:t>
+              <a:t>‹nº›</a:t>
             </a:fld>
             <a:endParaRPr lang="pt-PT"/>
           </a:p>
@@ -3502,7 +3502,7 @@
           <a:p>
             <a:fld id="{8A13CC33-CAA6-4B3A-90CD-0E5AF312F97E}" type="slidenum">
               <a:rPr lang="pt-PT" smtClean="0"/>
-              <a:t>‹#›</a:t>
+              <a:t>‹nº›</a:t>
             </a:fld>
             <a:endParaRPr lang="pt-PT"/>
           </a:p>
@@ -7360,7 +7360,7 @@
           <a:p>
             <a:r>
               <a:rPr lang="pt-PT" dirty="0"/>
-              <a:t>Seleção manual dos pontos de referencia para calibração</a:t>
+              <a:t>Seleção manual dos pontos de referência para calibração</a:t>
             </a:r>
           </a:p>
           <a:p>
@@ -8569,6 +8569,18 @@
             </a:r>
             <a:endParaRPr lang="pt-PT" dirty="0"/>
           </a:p>
+          <a:p>
+            <a:r>
+              <a:rPr lang="pt-PT" dirty="0"/>
+              <a:t>cseweb.ucsd.edu/~yuc007/documents/thermal.pdf</a:t>
+            </a:r>
+          </a:p>
+          <a:p>
+            <a:r>
+              <a:rPr lang="pt-PT" dirty="0"/>
+              <a:t>www.pureengineering.com/projects/lepton</a:t>
+            </a:r>
+          </a:p>
         </p:txBody>
       </p:sp>
       <p:sp>
@@ -8775,7 +8787,7 @@
         </p:blipFill>
         <p:spPr>
           <a:xfrm>
-            <a:off x="8942159" y="2693373"/>
+            <a:off x="9069970" y="2693373"/>
             <a:ext cx="2788188" cy="2788188"/>
           </a:xfrm>
           <a:prstGeom prst="rect">

--- a/docs/Presentation.pptx
+++ b/docs/Presentation.pptx
@@ -4374,8 +4374,8 @@
         </p:nvSpPr>
         <p:spPr>
           <a:xfrm>
-            <a:off x="3182398" y="2583303"/>
-            <a:ext cx="8532523" cy="779592"/>
+            <a:off x="3182398" y="1938296"/>
+            <a:ext cx="8532523" cy="1300880"/>
           </a:xfrm>
           <a:prstGeom prst="rect">
             <a:avLst/>
@@ -4592,22 +4592,13 @@
               <a:defRPr/>
             </a:pPr>
             <a:r>
-              <a:rPr lang="pt-PT" sz="4800" b="1" dirty="0">
+              <a:rPr lang="en-US" sz="4800" b="1" dirty="0">
                 <a:solidFill>
                   <a:sysClr val="window" lastClr="FFFFFF"/>
                 </a:solidFill>
                 <a:latin typeface="Calibri Light" panose="020F0302020204030204"/>
               </a:rPr>
-              <a:t>Face </a:t>
-            </a:r>
-            <a:r>
-              <a:rPr lang="pt-PT" sz="4800" b="1" dirty="0" err="1">
-                <a:solidFill>
-                  <a:sysClr val="window" lastClr="FFFFFF"/>
-                </a:solidFill>
-                <a:latin typeface="Calibri Light" panose="020F0302020204030204"/>
-              </a:rPr>
-              <a:t>tracking</a:t>
+              <a:t>Eye</a:t>
             </a:r>
             <a:r>
               <a:rPr lang="pt-PT" sz="4800" b="1" dirty="0">
@@ -4619,13 +4610,13 @@
               <a:t> </a:t>
             </a:r>
             <a:r>
-              <a:rPr lang="pt-PT" sz="4800" b="1" dirty="0" err="1">
+              <a:rPr lang="en-US" sz="4800" b="1" dirty="0">
                 <a:solidFill>
                   <a:sysClr val="window" lastClr="FFFFFF"/>
                 </a:solidFill>
                 <a:latin typeface="Calibri Light" panose="020F0302020204030204"/>
               </a:rPr>
-              <a:t>and</a:t>
+              <a:t>Tracking</a:t>
             </a:r>
             <a:r>
               <a:rPr lang="pt-PT" sz="4800" b="1" dirty="0">
@@ -4634,41 +4625,8 @@
                 </a:solidFill>
                 <a:latin typeface="Calibri Light" panose="020F0302020204030204"/>
               </a:rPr>
-              <a:t> </a:t>
-            </a:r>
-            <a:r>
-              <a:rPr lang="pt-PT" sz="4800" b="1" dirty="0" err="1">
-                <a:solidFill>
-                  <a:sysClr val="window" lastClr="FFFFFF"/>
-                </a:solidFill>
-                <a:latin typeface="Calibri Light" panose="020F0302020204030204"/>
-              </a:rPr>
-              <a:t>thermal</a:t>
-            </a:r>
-            <a:r>
-              <a:rPr lang="pt-PT" sz="4800" b="1" dirty="0">
-                <a:solidFill>
-                  <a:sysClr val="window" lastClr="FFFFFF"/>
-                </a:solidFill>
-                <a:latin typeface="Calibri Light" panose="020F0302020204030204"/>
-              </a:rPr>
-              <a:t> </a:t>
-            </a:r>
-            <a:r>
-              <a:rPr lang="pt-PT" sz="4800" b="1" dirty="0" err="1">
-                <a:solidFill>
-                  <a:sysClr val="window" lastClr="FFFFFF"/>
-                </a:solidFill>
-                <a:latin typeface="Calibri Light" panose="020F0302020204030204"/>
-              </a:rPr>
-              <a:t>imaging</a:t>
-            </a:r>
-            <a:endParaRPr lang="pt-PT" sz="4800" b="1" dirty="0">
-              <a:solidFill>
-                <a:sysClr val="window" lastClr="FFFFFF"/>
-              </a:solidFill>
-              <a:latin typeface="Calibri Light" panose="020F0302020204030204"/>
-            </a:endParaRPr>
+              <a:t> e Processamento de Imagem térmica</a:t>
+            </a:r>
           </a:p>
           <a:p>
             <a:pPr marL="0" marR="0" lvl="0" indent="0" algn="l" defTabSz="914400" rtl="0" eaLnBrk="1" fontAlgn="auto" latinLnBrk="0" hangingPunct="1">

--- a/docs/Presentation.pptx
+++ b/docs/Presentation.pptx
@@ -5,10 +5,10 @@
     <p:sldMasterId id="2147483798" r:id="rId1"/>
   </p:sldMasterIdLst>
   <p:notesMasterIdLst>
-    <p:notesMasterId r:id="rId23"/>
+    <p:notesMasterId r:id="rId25"/>
   </p:notesMasterIdLst>
   <p:handoutMasterIdLst>
-    <p:handoutMasterId r:id="rId24"/>
+    <p:handoutMasterId r:id="rId26"/>
   </p:handoutMasterIdLst>
   <p:sldIdLst>
     <p:sldId id="266" r:id="rId2"/>
@@ -24,14 +24,16 @@
     <p:sldId id="346" r:id="rId12"/>
     <p:sldId id="355" r:id="rId13"/>
     <p:sldId id="344" r:id="rId14"/>
-    <p:sldId id="354" r:id="rId15"/>
-    <p:sldId id="345" r:id="rId16"/>
-    <p:sldId id="358" r:id="rId17"/>
-    <p:sldId id="359" r:id="rId18"/>
-    <p:sldId id="360" r:id="rId19"/>
-    <p:sldId id="347" r:id="rId20"/>
-    <p:sldId id="328" r:id="rId21"/>
-    <p:sldId id="312" r:id="rId22"/>
+    <p:sldId id="363" r:id="rId15"/>
+    <p:sldId id="354" r:id="rId16"/>
+    <p:sldId id="345" r:id="rId17"/>
+    <p:sldId id="358" r:id="rId18"/>
+    <p:sldId id="359" r:id="rId19"/>
+    <p:sldId id="360" r:id="rId20"/>
+    <p:sldId id="362" r:id="rId21"/>
+    <p:sldId id="347" r:id="rId22"/>
+    <p:sldId id="328" r:id="rId23"/>
+    <p:sldId id="312" r:id="rId24"/>
   </p:sldIdLst>
   <p:sldSz cx="12192000" cy="6858000"/>
   <p:notesSz cx="6858000" cy="9144000"/>
@@ -220,7 +222,7 @@
           <a:p>
             <a:fld id="{B1DA5166-A394-4A5D-97FB-80BFD7BF32B8}" type="datetimeFigureOut">
               <a:rPr lang="pt-PT" smtClean="0"/>
-              <a:t>10/01/2017</a:t>
+              <a:t>11/01/2017</a:t>
             </a:fld>
             <a:endParaRPr lang="pt-PT"/>
           </a:p>
@@ -286,7 +288,7 @@
           <a:p>
             <a:fld id="{34C3DAA2-F96A-4D64-AC7D-E508F6D060FE}" type="slidenum">
               <a:rPr lang="pt-PT" smtClean="0"/>
-              <a:t>‹nº›</a:t>
+              <a:t>‹#›</a:t>
             </a:fld>
             <a:endParaRPr lang="pt-PT"/>
           </a:p>
@@ -386,7 +388,7 @@
           <a:p>
             <a:fld id="{EA7ADA43-62E0-4C8E-98F5-55F5DE7FC6C9}" type="datetimeFigureOut">
               <a:rPr lang="pt-PT" smtClean="0"/>
-              <a:t>10/01/2017</a:t>
+              <a:t>11/01/2017</a:t>
             </a:fld>
             <a:endParaRPr lang="pt-PT"/>
           </a:p>
@@ -545,7 +547,7 @@
           <a:p>
             <a:fld id="{01B71F56-AC98-4B77-9FDE-F0AFE8E5E90B}" type="slidenum">
               <a:rPr lang="pt-PT" smtClean="0"/>
-              <a:t>‹nº›</a:t>
+              <a:t>‹#›</a:t>
             </a:fld>
             <a:endParaRPr lang="pt-PT"/>
           </a:p>
@@ -730,7 +732,7 @@
           <a:p>
             <a:fld id="{01B71F56-AC98-4B77-9FDE-F0AFE8E5E90B}" type="slidenum">
               <a:rPr lang="pt-PT" smtClean="0"/>
-              <a:t>20</a:t>
+              <a:t>22</a:t>
             </a:fld>
             <a:endParaRPr lang="pt-PT"/>
           </a:p>
@@ -814,7 +816,7 @@
           <a:p>
             <a:fld id="{01B71F56-AC98-4B77-9FDE-F0AFE8E5E90B}" type="slidenum">
               <a:rPr lang="pt-PT" smtClean="0"/>
-              <a:t>21</a:t>
+              <a:t>23</a:t>
             </a:fld>
             <a:endParaRPr lang="pt-PT"/>
           </a:p>
@@ -964,7 +966,7 @@
           <a:p>
             <a:fld id="{550189AE-CDDE-478F-99C0-C54DCCA4EDE8}" type="datetimeFigureOut">
               <a:rPr lang="pt-PT" smtClean="0"/>
-              <a:t>10/01/2017</a:t>
+              <a:t>11/01/2017</a:t>
             </a:fld>
             <a:endParaRPr lang="pt-PT"/>
           </a:p>
@@ -1006,7 +1008,7 @@
           <a:p>
             <a:fld id="{8A13CC33-CAA6-4B3A-90CD-0E5AF312F97E}" type="slidenum">
               <a:rPr lang="pt-PT" smtClean="0"/>
-              <a:t>‹nº›</a:t>
+              <a:t>‹#›</a:t>
             </a:fld>
             <a:endParaRPr lang="pt-PT"/>
           </a:p>
@@ -1022,13 +1024,13 @@
   <p:clrMapOvr>
     <a:masterClrMapping/>
   </p:clrMapOvr>
-  <mc:AlternateContent xmlns:mc="http://schemas.openxmlformats.org/markup-compatibility/2006" xmlns:p14="http://schemas.microsoft.com/office/powerpoint/2010/main">
-    <mc:Choice Requires="p14">
+  <mc:AlternateContent xmlns:mc="http://schemas.openxmlformats.org/markup-compatibility/2006">
+    <mc:Choice xmlns:p14="http://schemas.microsoft.com/office/powerpoint/2010/main" Requires="p14">
       <p:transition spd="med">
         <p14:ferris dir="l"/>
       </p:transition>
     </mc:Choice>
-    <mc:Fallback xmlns="">
+    <mc:Fallback>
       <p:transition spd="med">
         <p:fade/>
       </p:transition>
@@ -1146,7 +1148,7 @@
           <a:p>
             <a:fld id="{550189AE-CDDE-478F-99C0-C54DCCA4EDE8}" type="datetimeFigureOut">
               <a:rPr lang="pt-PT" smtClean="0"/>
-              <a:t>10/01/2017</a:t>
+              <a:t>11/01/2017</a:t>
             </a:fld>
             <a:endParaRPr lang="pt-PT"/>
           </a:p>
@@ -1188,7 +1190,7 @@
           <a:p>
             <a:fld id="{8A13CC33-CAA6-4B3A-90CD-0E5AF312F97E}" type="slidenum">
               <a:rPr lang="pt-PT" smtClean="0"/>
-              <a:t>‹nº›</a:t>
+              <a:t>‹#›</a:t>
             </a:fld>
             <a:endParaRPr lang="pt-PT"/>
           </a:p>
@@ -1204,13 +1206,13 @@
   <p:clrMapOvr>
     <a:masterClrMapping/>
   </p:clrMapOvr>
-  <mc:AlternateContent xmlns:mc="http://schemas.openxmlformats.org/markup-compatibility/2006" xmlns:p14="http://schemas.microsoft.com/office/powerpoint/2010/main">
-    <mc:Choice Requires="p14">
+  <mc:AlternateContent xmlns:mc="http://schemas.openxmlformats.org/markup-compatibility/2006">
+    <mc:Choice xmlns:p14="http://schemas.microsoft.com/office/powerpoint/2010/main" Requires="p14">
       <p:transition spd="med">
         <p14:ferris dir="l"/>
       </p:transition>
     </mc:Choice>
-    <mc:Fallback xmlns="">
+    <mc:Fallback>
       <p:transition spd="med">
         <p:fade/>
       </p:transition>
@@ -1338,7 +1340,7 @@
           <a:p>
             <a:fld id="{550189AE-CDDE-478F-99C0-C54DCCA4EDE8}" type="datetimeFigureOut">
               <a:rPr lang="pt-PT" smtClean="0"/>
-              <a:t>10/01/2017</a:t>
+              <a:t>11/01/2017</a:t>
             </a:fld>
             <a:endParaRPr lang="pt-PT"/>
           </a:p>
@@ -1380,7 +1382,7 @@
           <a:p>
             <a:fld id="{8A13CC33-CAA6-4B3A-90CD-0E5AF312F97E}" type="slidenum">
               <a:rPr lang="pt-PT" smtClean="0"/>
-              <a:t>‹nº›</a:t>
+              <a:t>‹#›</a:t>
             </a:fld>
             <a:endParaRPr lang="pt-PT"/>
           </a:p>
@@ -1396,13 +1398,13 @@
   <p:clrMapOvr>
     <a:masterClrMapping/>
   </p:clrMapOvr>
-  <mc:AlternateContent xmlns:mc="http://schemas.openxmlformats.org/markup-compatibility/2006" xmlns:p14="http://schemas.microsoft.com/office/powerpoint/2010/main">
-    <mc:Choice Requires="p14">
+  <mc:AlternateContent xmlns:mc="http://schemas.openxmlformats.org/markup-compatibility/2006">
+    <mc:Choice xmlns:p14="http://schemas.microsoft.com/office/powerpoint/2010/main" Requires="p14">
       <p:transition spd="med">
         <p14:ferris dir="l"/>
       </p:transition>
     </mc:Choice>
-    <mc:Fallback xmlns="">
+    <mc:Fallback>
       <p:transition spd="med">
         <p:fade/>
       </p:transition>
@@ -1520,7 +1522,7 @@
           <a:p>
             <a:fld id="{550189AE-CDDE-478F-99C0-C54DCCA4EDE8}" type="datetimeFigureOut">
               <a:rPr lang="pt-PT" smtClean="0"/>
-              <a:t>10/01/2017</a:t>
+              <a:t>11/01/2017</a:t>
             </a:fld>
             <a:endParaRPr lang="pt-PT"/>
           </a:p>
@@ -1562,7 +1564,7 @@
           <a:p>
             <a:fld id="{8A13CC33-CAA6-4B3A-90CD-0E5AF312F97E}" type="slidenum">
               <a:rPr lang="pt-PT" smtClean="0"/>
-              <a:t>‹nº›</a:t>
+              <a:t>‹#›</a:t>
             </a:fld>
             <a:endParaRPr lang="pt-PT"/>
           </a:p>
@@ -1578,13 +1580,13 @@
   <p:clrMapOvr>
     <a:masterClrMapping/>
   </p:clrMapOvr>
-  <mc:AlternateContent xmlns:mc="http://schemas.openxmlformats.org/markup-compatibility/2006" xmlns:p14="http://schemas.microsoft.com/office/powerpoint/2010/main">
-    <mc:Choice Requires="p14">
+  <mc:AlternateContent xmlns:mc="http://schemas.openxmlformats.org/markup-compatibility/2006">
+    <mc:Choice xmlns:p14="http://schemas.microsoft.com/office/powerpoint/2010/main" Requires="p14">
       <p:transition spd="med">
         <p14:ferris dir="l"/>
       </p:transition>
     </mc:Choice>
-    <mc:Fallback xmlns="">
+    <mc:Fallback>
       <p:transition spd="med">
         <p:fade/>
       </p:transition>
@@ -1778,7 +1780,7 @@
           <a:p>
             <a:fld id="{550189AE-CDDE-478F-99C0-C54DCCA4EDE8}" type="datetimeFigureOut">
               <a:rPr lang="pt-PT" smtClean="0"/>
-              <a:t>10/01/2017</a:t>
+              <a:t>11/01/2017</a:t>
             </a:fld>
             <a:endParaRPr lang="pt-PT"/>
           </a:p>
@@ -1820,7 +1822,7 @@
           <a:p>
             <a:fld id="{8A13CC33-CAA6-4B3A-90CD-0E5AF312F97E}" type="slidenum">
               <a:rPr lang="pt-PT" smtClean="0"/>
-              <a:t>‹nº›</a:t>
+              <a:t>‹#›</a:t>
             </a:fld>
             <a:endParaRPr lang="pt-PT"/>
           </a:p>
@@ -1836,13 +1838,13 @@
   <p:clrMapOvr>
     <a:masterClrMapping/>
   </p:clrMapOvr>
-  <mc:AlternateContent xmlns:mc="http://schemas.openxmlformats.org/markup-compatibility/2006" xmlns:p14="http://schemas.microsoft.com/office/powerpoint/2010/main">
-    <mc:Choice Requires="p14">
+  <mc:AlternateContent xmlns:mc="http://schemas.openxmlformats.org/markup-compatibility/2006">
+    <mc:Choice xmlns:p14="http://schemas.microsoft.com/office/powerpoint/2010/main" Requires="p14">
       <p:transition spd="med">
         <p14:ferris dir="l"/>
       </p:transition>
     </mc:Choice>
-    <mc:Fallback xmlns="">
+    <mc:Fallback>
       <p:transition spd="med">
         <p:fade/>
       </p:transition>
@@ -2022,7 +2024,7 @@
           <a:p>
             <a:fld id="{550189AE-CDDE-478F-99C0-C54DCCA4EDE8}" type="datetimeFigureOut">
               <a:rPr lang="pt-PT" smtClean="0"/>
-              <a:t>10/01/2017</a:t>
+              <a:t>11/01/2017</a:t>
             </a:fld>
             <a:endParaRPr lang="pt-PT"/>
           </a:p>
@@ -2064,7 +2066,7 @@
           <a:p>
             <a:fld id="{8A13CC33-CAA6-4B3A-90CD-0E5AF312F97E}" type="slidenum">
               <a:rPr lang="pt-PT" smtClean="0"/>
-              <a:t>‹nº›</a:t>
+              <a:t>‹#›</a:t>
             </a:fld>
             <a:endParaRPr lang="pt-PT"/>
           </a:p>
@@ -2080,13 +2082,13 @@
   <p:clrMapOvr>
     <a:masterClrMapping/>
   </p:clrMapOvr>
-  <mc:AlternateContent xmlns:mc="http://schemas.openxmlformats.org/markup-compatibility/2006" xmlns:p14="http://schemas.microsoft.com/office/powerpoint/2010/main">
-    <mc:Choice Requires="p14">
+  <mc:AlternateContent xmlns:mc="http://schemas.openxmlformats.org/markup-compatibility/2006">
+    <mc:Choice xmlns:p14="http://schemas.microsoft.com/office/powerpoint/2010/main" Requires="p14">
       <p:transition spd="med">
         <p14:ferris dir="l"/>
       </p:transition>
     </mc:Choice>
-    <mc:Fallback xmlns="">
+    <mc:Fallback>
       <p:transition spd="med">
         <p:fade/>
       </p:transition>
@@ -2401,7 +2403,7 @@
           <a:p>
             <a:fld id="{550189AE-CDDE-478F-99C0-C54DCCA4EDE8}" type="datetimeFigureOut">
               <a:rPr lang="pt-PT" smtClean="0"/>
-              <a:t>10/01/2017</a:t>
+              <a:t>11/01/2017</a:t>
             </a:fld>
             <a:endParaRPr lang="pt-PT"/>
           </a:p>
@@ -2443,7 +2445,7 @@
           <a:p>
             <a:fld id="{8A13CC33-CAA6-4B3A-90CD-0E5AF312F97E}" type="slidenum">
               <a:rPr lang="pt-PT" smtClean="0"/>
-              <a:t>‹nº›</a:t>
+              <a:t>‹#›</a:t>
             </a:fld>
             <a:endParaRPr lang="pt-PT"/>
           </a:p>
@@ -2459,13 +2461,13 @@
   <p:clrMapOvr>
     <a:masterClrMapping/>
   </p:clrMapOvr>
-  <mc:AlternateContent xmlns:mc="http://schemas.openxmlformats.org/markup-compatibility/2006" xmlns:p14="http://schemas.microsoft.com/office/powerpoint/2010/main">
-    <mc:Choice Requires="p14">
+  <mc:AlternateContent xmlns:mc="http://schemas.openxmlformats.org/markup-compatibility/2006">
+    <mc:Choice xmlns:p14="http://schemas.microsoft.com/office/powerpoint/2010/main" Requires="p14">
       <p:transition spd="med">
         <p14:ferris dir="l"/>
       </p:transition>
     </mc:Choice>
-    <mc:Fallback xmlns="">
+    <mc:Fallback>
       <p:transition spd="med">
         <p:fade/>
       </p:transition>
@@ -2531,7 +2533,7 @@
           <a:p>
             <a:fld id="{550189AE-CDDE-478F-99C0-C54DCCA4EDE8}" type="datetimeFigureOut">
               <a:rPr lang="pt-PT" smtClean="0"/>
-              <a:t>10/01/2017</a:t>
+              <a:t>11/01/2017</a:t>
             </a:fld>
             <a:endParaRPr lang="pt-PT"/>
           </a:p>
@@ -2573,7 +2575,7 @@
           <a:p>
             <a:fld id="{8A13CC33-CAA6-4B3A-90CD-0E5AF312F97E}" type="slidenum">
               <a:rPr lang="pt-PT" smtClean="0"/>
-              <a:t>‹nº›</a:t>
+              <a:t>‹#›</a:t>
             </a:fld>
             <a:endParaRPr lang="pt-PT"/>
           </a:p>
@@ -2589,13 +2591,13 @@
   <p:clrMapOvr>
     <a:masterClrMapping/>
   </p:clrMapOvr>
-  <mc:AlternateContent xmlns:mc="http://schemas.openxmlformats.org/markup-compatibility/2006" xmlns:p14="http://schemas.microsoft.com/office/powerpoint/2010/main">
-    <mc:Choice Requires="p14">
+  <mc:AlternateContent xmlns:mc="http://schemas.openxmlformats.org/markup-compatibility/2006">
+    <mc:Choice xmlns:p14="http://schemas.microsoft.com/office/powerpoint/2010/main" Requires="p14">
       <p:transition spd="med">
         <p14:ferris dir="l"/>
       </p:transition>
     </mc:Choice>
-    <mc:Fallback xmlns="">
+    <mc:Fallback>
       <p:transition spd="med">
         <p:fade/>
       </p:transition>
@@ -2638,7 +2640,7 @@
           <a:p>
             <a:fld id="{550189AE-CDDE-478F-99C0-C54DCCA4EDE8}" type="datetimeFigureOut">
               <a:rPr lang="pt-PT" smtClean="0"/>
-              <a:t>10/01/2017</a:t>
+              <a:t>11/01/2017</a:t>
             </a:fld>
             <a:endParaRPr lang="pt-PT"/>
           </a:p>
@@ -2680,7 +2682,7 @@
           <a:p>
             <a:fld id="{8A13CC33-CAA6-4B3A-90CD-0E5AF312F97E}" type="slidenum">
               <a:rPr lang="pt-PT" smtClean="0"/>
-              <a:t>‹nº›</a:t>
+              <a:t>‹#›</a:t>
             </a:fld>
             <a:endParaRPr lang="pt-PT"/>
           </a:p>
@@ -2696,13 +2698,13 @@
   <p:clrMapOvr>
     <a:masterClrMapping/>
   </p:clrMapOvr>
-  <mc:AlternateContent xmlns:mc="http://schemas.openxmlformats.org/markup-compatibility/2006" xmlns:p14="http://schemas.microsoft.com/office/powerpoint/2010/main">
-    <mc:Choice Requires="p14">
+  <mc:AlternateContent xmlns:mc="http://schemas.openxmlformats.org/markup-compatibility/2006">
+    <mc:Choice xmlns:p14="http://schemas.microsoft.com/office/powerpoint/2010/main" Requires="p14">
       <p:transition spd="med">
         <p14:ferris dir="l"/>
       </p:transition>
     </mc:Choice>
-    <mc:Fallback xmlns="">
+    <mc:Fallback>
       <p:transition spd="med">
         <p:fade/>
       </p:transition>
@@ -2927,7 +2929,7 @@
           <a:p>
             <a:fld id="{550189AE-CDDE-478F-99C0-C54DCCA4EDE8}" type="datetimeFigureOut">
               <a:rPr lang="pt-PT" smtClean="0"/>
-              <a:t>10/01/2017</a:t>
+              <a:t>11/01/2017</a:t>
             </a:fld>
             <a:endParaRPr lang="pt-PT"/>
           </a:p>
@@ -2969,7 +2971,7 @@
           <a:p>
             <a:fld id="{8A13CC33-CAA6-4B3A-90CD-0E5AF312F97E}" type="slidenum">
               <a:rPr lang="pt-PT" smtClean="0"/>
-              <a:t>‹nº›</a:t>
+              <a:t>‹#›</a:t>
             </a:fld>
             <a:endParaRPr lang="pt-PT"/>
           </a:p>
@@ -2985,13 +2987,13 @@
   <p:clrMapOvr>
     <a:masterClrMapping/>
   </p:clrMapOvr>
-  <mc:AlternateContent xmlns:mc="http://schemas.openxmlformats.org/markup-compatibility/2006" xmlns:p14="http://schemas.microsoft.com/office/powerpoint/2010/main">
-    <mc:Choice Requires="p14">
+  <mc:AlternateContent xmlns:mc="http://schemas.openxmlformats.org/markup-compatibility/2006">
+    <mc:Choice xmlns:p14="http://schemas.microsoft.com/office/powerpoint/2010/main" Requires="p14">
       <p:transition spd="med">
         <p14:ferris dir="l"/>
       </p:transition>
     </mc:Choice>
-    <mc:Fallback xmlns="">
+    <mc:Fallback>
       <p:transition spd="med">
         <p:fade/>
       </p:transition>
@@ -3196,7 +3198,7 @@
           <a:p>
             <a:fld id="{550189AE-CDDE-478F-99C0-C54DCCA4EDE8}" type="datetimeFigureOut">
               <a:rPr lang="pt-PT" smtClean="0"/>
-              <a:t>10/01/2017</a:t>
+              <a:t>11/01/2017</a:t>
             </a:fld>
             <a:endParaRPr lang="pt-PT"/>
           </a:p>
@@ -3238,7 +3240,7 @@
           <a:p>
             <a:fld id="{8A13CC33-CAA6-4B3A-90CD-0E5AF312F97E}" type="slidenum">
               <a:rPr lang="pt-PT" smtClean="0"/>
-              <a:t>‹nº›</a:t>
+              <a:t>‹#›</a:t>
             </a:fld>
             <a:endParaRPr lang="pt-PT"/>
           </a:p>
@@ -3254,13 +3256,13 @@
   <p:clrMapOvr>
     <a:masterClrMapping/>
   </p:clrMapOvr>
-  <mc:AlternateContent xmlns:mc="http://schemas.openxmlformats.org/markup-compatibility/2006" xmlns:p14="http://schemas.microsoft.com/office/powerpoint/2010/main">
-    <mc:Choice Requires="p14">
+  <mc:AlternateContent xmlns:mc="http://schemas.openxmlformats.org/markup-compatibility/2006">
+    <mc:Choice xmlns:p14="http://schemas.microsoft.com/office/powerpoint/2010/main" Requires="p14">
       <p:transition spd="med">
         <p14:ferris dir="l"/>
       </p:transition>
     </mc:Choice>
-    <mc:Fallback xmlns="">
+    <mc:Fallback>
       <p:transition spd="med">
         <p:fade/>
       </p:transition>
@@ -3424,7 +3426,7 @@
           <a:p>
             <a:fld id="{550189AE-CDDE-478F-99C0-C54DCCA4EDE8}" type="datetimeFigureOut">
               <a:rPr lang="pt-PT" smtClean="0"/>
-              <a:t>10/01/2017</a:t>
+              <a:t>11/01/2017</a:t>
             </a:fld>
             <a:endParaRPr lang="pt-PT"/>
           </a:p>
@@ -3502,7 +3504,7 @@
           <a:p>
             <a:fld id="{8A13CC33-CAA6-4B3A-90CD-0E5AF312F97E}" type="slidenum">
               <a:rPr lang="pt-PT" smtClean="0"/>
-              <a:t>‹nº›</a:t>
+              <a:t>‹#›</a:t>
             </a:fld>
             <a:endParaRPr lang="pt-PT"/>
           </a:p>
@@ -3529,13 +3531,13 @@
     <p:sldLayoutId id="2147483808" r:id="rId10"/>
     <p:sldLayoutId id="2147483809" r:id="rId11"/>
   </p:sldLayoutIdLst>
-  <mc:AlternateContent xmlns:mc="http://schemas.openxmlformats.org/markup-compatibility/2006" xmlns:p14="http://schemas.microsoft.com/office/powerpoint/2010/main">
-    <mc:Choice Requires="p14">
+  <mc:AlternateContent xmlns:mc="http://schemas.openxmlformats.org/markup-compatibility/2006">
+    <mc:Choice xmlns:p14="http://schemas.microsoft.com/office/powerpoint/2010/main" Requires="p14">
       <p:transition spd="med">
         <p14:ferris dir="l"/>
       </p:transition>
     </mc:Choice>
-    <mc:Fallback xmlns="">
+    <mc:Fallback>
       <p:transition spd="med">
         <p:fade/>
       </p:transition>
@@ -4959,13 +4961,13 @@
   <p:clrMapOvr>
     <a:masterClrMapping/>
   </p:clrMapOvr>
-  <mc:AlternateContent xmlns:mc="http://schemas.openxmlformats.org/markup-compatibility/2006" xmlns:p14="http://schemas.microsoft.com/office/powerpoint/2010/main">
-    <mc:Choice Requires="p14">
+  <mc:AlternateContent xmlns:mc="http://schemas.openxmlformats.org/markup-compatibility/2006">
+    <mc:Choice xmlns:p14="http://schemas.microsoft.com/office/powerpoint/2010/main" Requires="p14">
       <p:transition spd="med">
         <p14:ferris dir="l"/>
       </p:transition>
     </mc:Choice>
-    <mc:Fallback xmlns="">
+    <mc:Fallback>
       <p:transition spd="med">
         <p:fade/>
       </p:transition>
@@ -5207,13 +5209,13 @@
   <p:clrMapOvr>
     <a:masterClrMapping/>
   </p:clrMapOvr>
-  <mc:AlternateContent xmlns:mc="http://schemas.openxmlformats.org/markup-compatibility/2006" xmlns:p14="http://schemas.microsoft.com/office/powerpoint/2010/main">
-    <mc:Choice Requires="p14">
+  <mc:AlternateContent xmlns:mc="http://schemas.openxmlformats.org/markup-compatibility/2006">
+    <mc:Choice xmlns:p14="http://schemas.microsoft.com/office/powerpoint/2010/main" Requires="p14">
       <p:transition spd="med">
         <p14:ferris dir="l"/>
       </p:transition>
     </mc:Choice>
-    <mc:Fallback xmlns="">
+    <mc:Fallback>
       <p:transition spd="med">
         <p:fade/>
       </p:transition>
@@ -5502,13 +5504,13 @@
   <p:clrMapOvr>
     <a:masterClrMapping/>
   </p:clrMapOvr>
-  <mc:AlternateContent xmlns:mc="http://schemas.openxmlformats.org/markup-compatibility/2006" xmlns:p14="http://schemas.microsoft.com/office/powerpoint/2010/main">
-    <mc:Choice Requires="p14">
+  <mc:AlternateContent xmlns:mc="http://schemas.openxmlformats.org/markup-compatibility/2006">
+    <mc:Choice xmlns:p14="http://schemas.microsoft.com/office/powerpoint/2010/main" Requires="p14">
       <p:transition spd="med">
         <p14:ferris dir="l"/>
       </p:transition>
     </mc:Choice>
-    <mc:Fallback xmlns="">
+    <mc:Fallback>
       <p:transition spd="med">
         <p:fade/>
       </p:transition>
@@ -5750,13 +5752,13 @@
   <p:clrMapOvr>
     <a:masterClrMapping/>
   </p:clrMapOvr>
-  <mc:AlternateContent xmlns:mc="http://schemas.openxmlformats.org/markup-compatibility/2006" xmlns:p14="http://schemas.microsoft.com/office/powerpoint/2010/main">
-    <mc:Choice Requires="p14">
+  <mc:AlternateContent xmlns:mc="http://schemas.openxmlformats.org/markup-compatibility/2006">
+    <mc:Choice xmlns:p14="http://schemas.microsoft.com/office/powerpoint/2010/main" Requires="p14">
       <p:transition spd="med">
         <p14:ferris dir="l"/>
       </p:transition>
     </mc:Choice>
-    <mc:Fallback xmlns="">
+    <mc:Fallback>
       <p:transition spd="med">
         <p:fade/>
       </p:transition>
@@ -5784,77 +5786,6 @@
       </p:grpSpPr>
       <p:sp>
         <p:nvSpPr>
-          <p:cNvPr id="3" name="Content Placeholder 2"/>
-          <p:cNvSpPr>
-            <a:spLocks noGrp="1"/>
-          </p:cNvSpPr>
-          <p:nvPr>
-            <p:ph idx="1"/>
-          </p:nvPr>
-        </p:nvSpPr>
-        <p:spPr>
-          <a:xfrm>
-            <a:off x="838200" y="1825625"/>
-            <a:ext cx="10515600" cy="4291840"/>
-          </a:xfrm>
-        </p:spPr>
-        <p:txBody>
-          <a:bodyPr/>
-          <a:lstStyle/>
-          <a:p>
-            <a:r>
-              <a:rPr lang="pt-PT" dirty="0" err="1"/>
-              <a:t>Camera</a:t>
-            </a:r>
-            <a:r>
-              <a:rPr lang="pt-PT" dirty="0"/>
-              <a:t> FLIR </a:t>
-            </a:r>
-            <a:r>
-              <a:rPr lang="pt-PT" dirty="0" err="1"/>
-              <a:t>Lepton</a:t>
-            </a:r>
-            <a:endParaRPr lang="pt-PT" dirty="0"/>
-          </a:p>
-          <a:p>
-            <a:r>
-              <a:rPr lang="pt-PT" dirty="0" err="1"/>
-              <a:t>LongWave</a:t>
-            </a:r>
-            <a:r>
-              <a:rPr lang="pt-PT" dirty="0"/>
-              <a:t> </a:t>
-            </a:r>
-            <a:r>
-              <a:rPr lang="pt-PT" dirty="0" err="1"/>
-              <a:t>Infrared</a:t>
-            </a:r>
-            <a:r>
-              <a:rPr lang="pt-PT" dirty="0"/>
-              <a:t> (LWIR)</a:t>
-            </a:r>
-          </a:p>
-          <a:p>
-            <a:r>
-              <a:rPr lang="pt-PT" dirty="0"/>
-              <a:t>Resolução 80x60 </a:t>
-            </a:r>
-            <a:r>
-              <a:rPr lang="pt-PT" dirty="0" err="1"/>
-              <a:t>px</a:t>
-            </a:r>
-            <a:endParaRPr lang="pt-PT" dirty="0"/>
-          </a:p>
-          <a:p>
-            <a:r>
-              <a:rPr lang="pt-PT" dirty="0"/>
-              <a:t> Comunicação SPI</a:t>
-            </a:r>
-          </a:p>
-        </p:txBody>
-      </p:sp>
-      <p:sp>
-        <p:nvSpPr>
           <p:cNvPr id="5" name="Slide Number Placeholder 9"/>
           <p:cNvSpPr txBox="1">
             <a:spLocks/>
@@ -5978,6 +5909,302 @@
               </a:rPr>
               <a:pPr/>
               <a:t>13</a:t>
+            </a:fld>
+            <a:endParaRPr lang="pt-PT" sz="6600" dirty="0">
+              <a:solidFill>
+                <a:schemeClr val="tx1"/>
+              </a:solidFill>
+            </a:endParaRPr>
+          </a:p>
+        </p:txBody>
+      </p:sp>
+      <p:sp>
+        <p:nvSpPr>
+          <p:cNvPr id="6" name="Title 1"/>
+          <p:cNvSpPr txBox="1">
+            <a:spLocks/>
+          </p:cNvSpPr>
+          <p:nvPr/>
+        </p:nvSpPr>
+        <p:spPr>
+          <a:xfrm>
+            <a:off x="682981" y="2663183"/>
+            <a:ext cx="10772775" cy="1658198"/>
+          </a:xfrm>
+          <a:prstGeom prst="rect">
+            <a:avLst/>
+          </a:prstGeom>
+        </p:spPr>
+        <p:txBody>
+          <a:bodyPr vert="horz" lIns="91440" tIns="45720" rIns="91440" bIns="45720" rtlCol="0" anchor="ctr">
+            <a:normAutofit/>
+          </a:bodyPr>
+          <a:lstStyle>
+            <a:lvl1pPr algn="l" defTabSz="914400" rtl="0" eaLnBrk="1" latinLnBrk="0" hangingPunct="1">
+              <a:lnSpc>
+                <a:spcPct val="90000"/>
+              </a:lnSpc>
+              <a:spcBef>
+                <a:spcPct val="0"/>
+              </a:spcBef>
+              <a:buNone/>
+              <a:defRPr sz="4400" kern="1200">
+                <a:solidFill>
+                  <a:schemeClr val="tx1"/>
+                </a:solidFill>
+                <a:latin typeface="+mj-lt"/>
+                <a:ea typeface="+mj-ea"/>
+                <a:cs typeface="+mj-cs"/>
+              </a:defRPr>
+            </a:lvl1pPr>
+          </a:lstStyle>
+          <a:p>
+            <a:pPr algn="ctr"/>
+            <a:r>
+              <a:rPr lang="pt-PT" sz="5400" b="1" dirty="0"/>
+              <a:t>Demo</a:t>
+            </a:r>
+          </a:p>
+        </p:txBody>
+      </p:sp>
+    </p:spTree>
+    <p:extLst>
+      <p:ext uri="{BB962C8B-B14F-4D97-AF65-F5344CB8AC3E}">
+        <p14:creationId xmlns:p14="http://schemas.microsoft.com/office/powerpoint/2010/main" val="4141278382"/>
+      </p:ext>
+    </p:extLst>
+  </p:cSld>
+  <p:clrMapOvr>
+    <a:masterClrMapping/>
+  </p:clrMapOvr>
+  <mc:AlternateContent xmlns:mc="http://schemas.openxmlformats.org/markup-compatibility/2006">
+    <mc:Choice xmlns:p14="http://schemas.microsoft.com/office/powerpoint/2010/main" Requires="p14">
+      <p:transition spd="med">
+        <p14:ferris dir="l"/>
+      </p:transition>
+    </mc:Choice>
+    <mc:Fallback>
+      <p:transition spd="med">
+        <p:fade/>
+      </p:transition>
+    </mc:Fallback>
+  </mc:AlternateContent>
+</p:sld>
+</file>
+
+<file path=ppt/slides/slide14.xml><?xml version="1.0" encoding="utf-8"?>
+<p:sld xmlns:a="http://schemas.openxmlformats.org/drawingml/2006/main" xmlns:r="http://schemas.openxmlformats.org/officeDocument/2006/relationships" xmlns:p="http://schemas.openxmlformats.org/presentationml/2006/main">
+  <p:cSld>
+    <p:spTree>
+      <p:nvGrpSpPr>
+        <p:cNvPr id="1" name=""/>
+        <p:cNvGrpSpPr/>
+        <p:nvPr/>
+      </p:nvGrpSpPr>
+      <p:grpSpPr>
+        <a:xfrm>
+          <a:off x="0" y="0"/>
+          <a:ext cx="0" cy="0"/>
+          <a:chOff x="0" y="0"/>
+          <a:chExt cx="0" cy="0"/>
+        </a:xfrm>
+      </p:grpSpPr>
+      <p:sp>
+        <p:nvSpPr>
+          <p:cNvPr id="3" name="Content Placeholder 2"/>
+          <p:cNvSpPr>
+            <a:spLocks noGrp="1"/>
+          </p:cNvSpPr>
+          <p:nvPr>
+            <p:ph idx="1"/>
+          </p:nvPr>
+        </p:nvSpPr>
+        <p:spPr>
+          <a:xfrm>
+            <a:off x="838200" y="1825625"/>
+            <a:ext cx="10515600" cy="4291840"/>
+          </a:xfrm>
+        </p:spPr>
+        <p:txBody>
+          <a:bodyPr/>
+          <a:lstStyle/>
+          <a:p>
+            <a:r>
+              <a:rPr lang="pt-PT" dirty="0" err="1"/>
+              <a:t>Camera</a:t>
+            </a:r>
+            <a:r>
+              <a:rPr lang="pt-PT" dirty="0"/>
+              <a:t> FLIR </a:t>
+            </a:r>
+            <a:r>
+              <a:rPr lang="pt-PT" dirty="0" err="1"/>
+              <a:t>Lepton</a:t>
+            </a:r>
+            <a:endParaRPr lang="pt-PT" dirty="0"/>
+          </a:p>
+          <a:p>
+            <a:r>
+              <a:rPr lang="pt-PT" dirty="0" err="1"/>
+              <a:t>LongWave</a:t>
+            </a:r>
+            <a:r>
+              <a:rPr lang="pt-PT" dirty="0"/>
+              <a:t> </a:t>
+            </a:r>
+            <a:r>
+              <a:rPr lang="pt-PT" dirty="0" err="1"/>
+              <a:t>Infrared</a:t>
+            </a:r>
+            <a:r>
+              <a:rPr lang="pt-PT" dirty="0"/>
+              <a:t> (LWIR)</a:t>
+            </a:r>
+          </a:p>
+          <a:p>
+            <a:r>
+              <a:rPr lang="pt-PT" dirty="0"/>
+              <a:t>Resolução 80x60 </a:t>
+            </a:r>
+            <a:r>
+              <a:rPr lang="pt-PT" dirty="0" err="1"/>
+              <a:t>px</a:t>
+            </a:r>
+            <a:endParaRPr lang="pt-PT" dirty="0"/>
+          </a:p>
+          <a:p>
+            <a:r>
+              <a:rPr lang="pt-PT" dirty="0"/>
+              <a:t> Comunicação SPI</a:t>
+            </a:r>
+          </a:p>
+        </p:txBody>
+      </p:sp>
+      <p:sp>
+        <p:nvSpPr>
+          <p:cNvPr id="5" name="Slide Number Placeholder 9"/>
+          <p:cNvSpPr txBox="1">
+            <a:spLocks/>
+          </p:cNvSpPr>
+          <p:nvPr/>
+        </p:nvSpPr>
+        <p:spPr>
+          <a:xfrm>
+            <a:off x="10179423" y="5661212"/>
+            <a:ext cx="1550924" cy="954741"/>
+          </a:xfrm>
+          <a:prstGeom prst="rect">
+            <a:avLst/>
+          </a:prstGeom>
+        </p:spPr>
+        <p:txBody>
+          <a:bodyPr vert="horz" lIns="91440" tIns="45720" rIns="91440" bIns="45720" rtlCol="0" anchor="ctr"/>
+          <a:lstStyle>
+            <a:defPPr>
+              <a:defRPr lang="en-US"/>
+            </a:defPPr>
+            <a:lvl1pPr marL="0" algn="r" defTabSz="457200" rtl="0" eaLnBrk="1" latinLnBrk="0" hangingPunct="1">
+              <a:defRPr sz="1200" kern="1200">
+                <a:solidFill>
+                  <a:schemeClr val="tx1">
+                    <a:tint val="75000"/>
+                  </a:schemeClr>
+                </a:solidFill>
+                <a:latin typeface="+mn-lt"/>
+                <a:ea typeface="+mn-ea"/>
+                <a:cs typeface="+mn-cs"/>
+              </a:defRPr>
+            </a:lvl1pPr>
+            <a:lvl2pPr marL="457200" algn="l" defTabSz="457200" rtl="0" eaLnBrk="1" latinLnBrk="0" hangingPunct="1">
+              <a:defRPr sz="1800" kern="1200">
+                <a:solidFill>
+                  <a:schemeClr val="tx1"/>
+                </a:solidFill>
+                <a:latin typeface="+mn-lt"/>
+                <a:ea typeface="+mn-ea"/>
+                <a:cs typeface="+mn-cs"/>
+              </a:defRPr>
+            </a:lvl2pPr>
+            <a:lvl3pPr marL="914400" algn="l" defTabSz="457200" rtl="0" eaLnBrk="1" latinLnBrk="0" hangingPunct="1">
+              <a:defRPr sz="1800" kern="1200">
+                <a:solidFill>
+                  <a:schemeClr val="tx1"/>
+                </a:solidFill>
+                <a:latin typeface="+mn-lt"/>
+                <a:ea typeface="+mn-ea"/>
+                <a:cs typeface="+mn-cs"/>
+              </a:defRPr>
+            </a:lvl3pPr>
+            <a:lvl4pPr marL="1371600" algn="l" defTabSz="457200" rtl="0" eaLnBrk="1" latinLnBrk="0" hangingPunct="1">
+              <a:defRPr sz="1800" kern="1200">
+                <a:solidFill>
+                  <a:schemeClr val="tx1"/>
+                </a:solidFill>
+                <a:latin typeface="+mn-lt"/>
+                <a:ea typeface="+mn-ea"/>
+                <a:cs typeface="+mn-cs"/>
+              </a:defRPr>
+            </a:lvl4pPr>
+            <a:lvl5pPr marL="1828800" algn="l" defTabSz="457200" rtl="0" eaLnBrk="1" latinLnBrk="0" hangingPunct="1">
+              <a:defRPr sz="1800" kern="1200">
+                <a:solidFill>
+                  <a:schemeClr val="tx1"/>
+                </a:solidFill>
+                <a:latin typeface="+mn-lt"/>
+                <a:ea typeface="+mn-ea"/>
+                <a:cs typeface="+mn-cs"/>
+              </a:defRPr>
+            </a:lvl5pPr>
+            <a:lvl6pPr marL="2286000" algn="l" defTabSz="457200" rtl="0" eaLnBrk="1" latinLnBrk="0" hangingPunct="1">
+              <a:defRPr sz="1800" kern="1200">
+                <a:solidFill>
+                  <a:schemeClr val="tx1"/>
+                </a:solidFill>
+                <a:latin typeface="+mn-lt"/>
+                <a:ea typeface="+mn-ea"/>
+                <a:cs typeface="+mn-cs"/>
+              </a:defRPr>
+            </a:lvl6pPr>
+            <a:lvl7pPr marL="2743200" algn="l" defTabSz="457200" rtl="0" eaLnBrk="1" latinLnBrk="0" hangingPunct="1">
+              <a:defRPr sz="1800" kern="1200">
+                <a:solidFill>
+                  <a:schemeClr val="tx1"/>
+                </a:solidFill>
+                <a:latin typeface="+mn-lt"/>
+                <a:ea typeface="+mn-ea"/>
+                <a:cs typeface="+mn-cs"/>
+              </a:defRPr>
+            </a:lvl7pPr>
+            <a:lvl8pPr marL="3200400" algn="l" defTabSz="457200" rtl="0" eaLnBrk="1" latinLnBrk="0" hangingPunct="1">
+              <a:defRPr sz="1800" kern="1200">
+                <a:solidFill>
+                  <a:schemeClr val="tx1"/>
+                </a:solidFill>
+                <a:latin typeface="+mn-lt"/>
+                <a:ea typeface="+mn-ea"/>
+                <a:cs typeface="+mn-cs"/>
+              </a:defRPr>
+            </a:lvl8pPr>
+            <a:lvl9pPr marL="3657600" algn="l" defTabSz="457200" rtl="0" eaLnBrk="1" latinLnBrk="0" hangingPunct="1">
+              <a:defRPr sz="1800" kern="1200">
+                <a:solidFill>
+                  <a:schemeClr val="tx1"/>
+                </a:solidFill>
+                <a:latin typeface="+mn-lt"/>
+                <a:ea typeface="+mn-ea"/>
+                <a:cs typeface="+mn-cs"/>
+              </a:defRPr>
+            </a:lvl9pPr>
+          </a:lstStyle>
+          <a:p>
+            <a:fld id="{314730DC-B0D2-40B4-833E-D6BD1CDAC76B}" type="slidenum">
+              <a:rPr lang="pt-PT" sz="6600" smtClean="0">
+                <a:solidFill>
+                  <a:schemeClr val="tx1"/>
+                </a:solidFill>
+              </a:rPr>
+              <a:pPr/>
+              <a:t>14</a:t>
             </a:fld>
             <a:endParaRPr lang="pt-PT" sz="6600" dirty="0">
               <a:solidFill>
@@ -6119,299 +6346,20 @@
     </p:spTree>
     <p:extLst>
       <p:ext uri="{BB962C8B-B14F-4D97-AF65-F5344CB8AC3E}">
-        <p14:creationId xmlns:p14="http://schemas.microsoft.com/office/powerpoint/2010/main" val="4141278382"/>
+        <p14:creationId xmlns:p14="http://schemas.microsoft.com/office/powerpoint/2010/main" val="3154181821"/>
       </p:ext>
     </p:extLst>
   </p:cSld>
   <p:clrMapOvr>
     <a:masterClrMapping/>
   </p:clrMapOvr>
-  <mc:AlternateContent xmlns:mc="http://schemas.openxmlformats.org/markup-compatibility/2006" xmlns:p14="http://schemas.microsoft.com/office/powerpoint/2010/main">
-    <mc:Choice Requires="p14">
+  <mc:AlternateContent xmlns:mc="http://schemas.openxmlformats.org/markup-compatibility/2006">
+    <mc:Choice xmlns:p14="http://schemas.microsoft.com/office/powerpoint/2010/main" Requires="p14">
       <p:transition spd="med">
         <p14:ferris dir="l"/>
       </p:transition>
     </mc:Choice>
-    <mc:Fallback xmlns="">
-      <p:transition spd="med">
-        <p:fade/>
-      </p:transition>
-    </mc:Fallback>
-  </mc:AlternateContent>
-</p:sld>
-</file>
-
-<file path=ppt/slides/slide14.xml><?xml version="1.0" encoding="utf-8"?>
-<p:sld xmlns:a="http://schemas.openxmlformats.org/drawingml/2006/main" xmlns:r="http://schemas.openxmlformats.org/officeDocument/2006/relationships" xmlns:p="http://schemas.openxmlformats.org/presentationml/2006/main">
-  <p:cSld>
-    <p:spTree>
-      <p:nvGrpSpPr>
-        <p:cNvPr id="1" name=""/>
-        <p:cNvGrpSpPr/>
-        <p:nvPr/>
-      </p:nvGrpSpPr>
-      <p:grpSpPr>
-        <a:xfrm>
-          <a:off x="0" y="0"/>
-          <a:ext cx="0" cy="0"/>
-          <a:chOff x="0" y="0"/>
-          <a:chExt cx="0" cy="0"/>
-        </a:xfrm>
-      </p:grpSpPr>
-      <p:sp>
-        <p:nvSpPr>
-          <p:cNvPr id="5" name="Slide Number Placeholder 9"/>
-          <p:cNvSpPr txBox="1">
-            <a:spLocks/>
-          </p:cNvSpPr>
-          <p:nvPr/>
-        </p:nvSpPr>
-        <p:spPr>
-          <a:xfrm>
-            <a:off x="10179423" y="5661212"/>
-            <a:ext cx="1550924" cy="954741"/>
-          </a:xfrm>
-          <a:prstGeom prst="rect">
-            <a:avLst/>
-          </a:prstGeom>
-        </p:spPr>
-        <p:txBody>
-          <a:bodyPr vert="horz" lIns="91440" tIns="45720" rIns="91440" bIns="45720" rtlCol="0" anchor="ctr"/>
-          <a:lstStyle>
-            <a:defPPr>
-              <a:defRPr lang="en-US"/>
-            </a:defPPr>
-            <a:lvl1pPr marL="0" algn="r" defTabSz="457200" rtl="0" eaLnBrk="1" latinLnBrk="0" hangingPunct="1">
-              <a:defRPr sz="1200" kern="1200">
-                <a:solidFill>
-                  <a:schemeClr val="tx1">
-                    <a:tint val="75000"/>
-                  </a:schemeClr>
-                </a:solidFill>
-                <a:latin typeface="+mn-lt"/>
-                <a:ea typeface="+mn-ea"/>
-                <a:cs typeface="+mn-cs"/>
-              </a:defRPr>
-            </a:lvl1pPr>
-            <a:lvl2pPr marL="457200" algn="l" defTabSz="457200" rtl="0" eaLnBrk="1" latinLnBrk="0" hangingPunct="1">
-              <a:defRPr sz="1800" kern="1200">
-                <a:solidFill>
-                  <a:schemeClr val="tx1"/>
-                </a:solidFill>
-                <a:latin typeface="+mn-lt"/>
-                <a:ea typeface="+mn-ea"/>
-                <a:cs typeface="+mn-cs"/>
-              </a:defRPr>
-            </a:lvl2pPr>
-            <a:lvl3pPr marL="914400" algn="l" defTabSz="457200" rtl="0" eaLnBrk="1" latinLnBrk="0" hangingPunct="1">
-              <a:defRPr sz="1800" kern="1200">
-                <a:solidFill>
-                  <a:schemeClr val="tx1"/>
-                </a:solidFill>
-                <a:latin typeface="+mn-lt"/>
-                <a:ea typeface="+mn-ea"/>
-                <a:cs typeface="+mn-cs"/>
-              </a:defRPr>
-            </a:lvl3pPr>
-            <a:lvl4pPr marL="1371600" algn="l" defTabSz="457200" rtl="0" eaLnBrk="1" latinLnBrk="0" hangingPunct="1">
-              <a:defRPr sz="1800" kern="1200">
-                <a:solidFill>
-                  <a:schemeClr val="tx1"/>
-                </a:solidFill>
-                <a:latin typeface="+mn-lt"/>
-                <a:ea typeface="+mn-ea"/>
-                <a:cs typeface="+mn-cs"/>
-              </a:defRPr>
-            </a:lvl4pPr>
-            <a:lvl5pPr marL="1828800" algn="l" defTabSz="457200" rtl="0" eaLnBrk="1" latinLnBrk="0" hangingPunct="1">
-              <a:defRPr sz="1800" kern="1200">
-                <a:solidFill>
-                  <a:schemeClr val="tx1"/>
-                </a:solidFill>
-                <a:latin typeface="+mn-lt"/>
-                <a:ea typeface="+mn-ea"/>
-                <a:cs typeface="+mn-cs"/>
-              </a:defRPr>
-            </a:lvl5pPr>
-            <a:lvl6pPr marL="2286000" algn="l" defTabSz="457200" rtl="0" eaLnBrk="1" latinLnBrk="0" hangingPunct="1">
-              <a:defRPr sz="1800" kern="1200">
-                <a:solidFill>
-                  <a:schemeClr val="tx1"/>
-                </a:solidFill>
-                <a:latin typeface="+mn-lt"/>
-                <a:ea typeface="+mn-ea"/>
-                <a:cs typeface="+mn-cs"/>
-              </a:defRPr>
-            </a:lvl6pPr>
-            <a:lvl7pPr marL="2743200" algn="l" defTabSz="457200" rtl="0" eaLnBrk="1" latinLnBrk="0" hangingPunct="1">
-              <a:defRPr sz="1800" kern="1200">
-                <a:solidFill>
-                  <a:schemeClr val="tx1"/>
-                </a:solidFill>
-                <a:latin typeface="+mn-lt"/>
-                <a:ea typeface="+mn-ea"/>
-                <a:cs typeface="+mn-cs"/>
-              </a:defRPr>
-            </a:lvl7pPr>
-            <a:lvl8pPr marL="3200400" algn="l" defTabSz="457200" rtl="0" eaLnBrk="1" latinLnBrk="0" hangingPunct="1">
-              <a:defRPr sz="1800" kern="1200">
-                <a:solidFill>
-                  <a:schemeClr val="tx1"/>
-                </a:solidFill>
-                <a:latin typeface="+mn-lt"/>
-                <a:ea typeface="+mn-ea"/>
-                <a:cs typeface="+mn-cs"/>
-              </a:defRPr>
-            </a:lvl8pPr>
-            <a:lvl9pPr marL="3657600" algn="l" defTabSz="457200" rtl="0" eaLnBrk="1" latinLnBrk="0" hangingPunct="1">
-              <a:defRPr sz="1800" kern="1200">
-                <a:solidFill>
-                  <a:schemeClr val="tx1"/>
-                </a:solidFill>
-                <a:latin typeface="+mn-lt"/>
-                <a:ea typeface="+mn-ea"/>
-                <a:cs typeface="+mn-cs"/>
-              </a:defRPr>
-            </a:lvl9pPr>
-          </a:lstStyle>
-          <a:p>
-            <a:fld id="{314730DC-B0D2-40B4-833E-D6BD1CDAC76B}" type="slidenum">
-              <a:rPr lang="pt-PT" sz="6600" smtClean="0">
-                <a:solidFill>
-                  <a:schemeClr val="tx1"/>
-                </a:solidFill>
-              </a:rPr>
-              <a:pPr/>
-              <a:t>14</a:t>
-            </a:fld>
-            <a:endParaRPr lang="pt-PT" sz="6600" dirty="0">
-              <a:solidFill>
-                <a:schemeClr val="tx1"/>
-              </a:solidFill>
-            </a:endParaRPr>
-          </a:p>
-        </p:txBody>
-      </p:sp>
-      <p:sp>
-        <p:nvSpPr>
-          <p:cNvPr id="6" name="Title 1"/>
-          <p:cNvSpPr txBox="1">
-            <a:spLocks/>
-          </p:cNvSpPr>
-          <p:nvPr/>
-        </p:nvSpPr>
-        <p:spPr>
-          <a:xfrm>
-            <a:off x="657223" y="499533"/>
-            <a:ext cx="10772775" cy="1658198"/>
-          </a:xfrm>
-          <a:prstGeom prst="rect">
-            <a:avLst/>
-          </a:prstGeom>
-        </p:spPr>
-        <p:txBody>
-          <a:bodyPr vert="horz" lIns="91440" tIns="45720" rIns="91440" bIns="45720" rtlCol="0" anchor="ctr">
-            <a:normAutofit/>
-          </a:bodyPr>
-          <a:lstStyle>
-            <a:lvl1pPr algn="l" defTabSz="914400" rtl="0" eaLnBrk="1" latinLnBrk="0" hangingPunct="1">
-              <a:lnSpc>
-                <a:spcPct val="90000"/>
-              </a:lnSpc>
-              <a:spcBef>
-                <a:spcPct val="0"/>
-              </a:spcBef>
-              <a:buNone/>
-              <a:defRPr sz="4400" kern="1200">
-                <a:solidFill>
-                  <a:schemeClr val="tx1"/>
-                </a:solidFill>
-                <a:latin typeface="+mj-lt"/>
-                <a:ea typeface="+mj-ea"/>
-                <a:cs typeface="+mj-cs"/>
-              </a:defRPr>
-            </a:lvl1pPr>
-          </a:lstStyle>
-          <a:p>
-            <a:r>
-              <a:rPr lang="pt-PT" sz="5400" b="1" dirty="0"/>
-              <a:t>Obtenção Imagem Térmica</a:t>
-            </a:r>
-          </a:p>
-        </p:txBody>
-      </p:sp>
-      <p:pic>
-        <p:nvPicPr>
-          <p:cNvPr id="8" name="Imagem 9"/>
-          <p:cNvPicPr/>
-          <p:nvPr/>
-        </p:nvPicPr>
-        <p:blipFill rotWithShape="1">
-          <a:blip r:embed="rId2">
-            <a:extLst>
-              <a:ext uri="{28A0092B-C50C-407E-A947-70E740481C1C}">
-                <a14:useLocalDpi xmlns:a14="http://schemas.microsoft.com/office/drawing/2010/main" val="0"/>
-              </a:ext>
-            </a:extLst>
-          </a:blip>
-          <a:srcRect l="2440" t="3591" r="1242" b="1567"/>
-          <a:stretch/>
-        </p:blipFill>
-        <p:spPr bwMode="auto">
-          <a:xfrm>
-            <a:off x="5885553" y="1949284"/>
-            <a:ext cx="5306888" cy="3920375"/>
-          </a:xfrm>
-          <a:prstGeom prst="rect">
-            <a:avLst/>
-          </a:prstGeom>
-          <a:noFill/>
-          <a:ln>
-            <a:noFill/>
-          </a:ln>
-        </p:spPr>
-      </p:pic>
-      <p:pic>
-        <p:nvPicPr>
-          <p:cNvPr id="2" name="Imagem 1"/>
-          <p:cNvPicPr>
-            <a:picLocks noChangeAspect="1"/>
-          </p:cNvPicPr>
-          <p:nvPr/>
-        </p:nvPicPr>
-        <p:blipFill>
-          <a:blip r:embed="rId3"/>
-          <a:stretch>
-            <a:fillRect/>
-          </a:stretch>
-        </p:blipFill>
-        <p:spPr>
-          <a:xfrm>
-            <a:off x="578665" y="1949284"/>
-            <a:ext cx="5306888" cy="3945429"/>
-          </a:xfrm>
-          <a:prstGeom prst="rect">
-            <a:avLst/>
-          </a:prstGeom>
-        </p:spPr>
-      </p:pic>
-    </p:spTree>
-    <p:extLst>
-      <p:ext uri="{BB962C8B-B14F-4D97-AF65-F5344CB8AC3E}">
-        <p14:creationId xmlns:p14="http://schemas.microsoft.com/office/powerpoint/2010/main" val="635908351"/>
-      </p:ext>
-    </p:extLst>
-  </p:cSld>
-  <p:clrMapOvr>
-    <a:masterClrMapping/>
-  </p:clrMapOvr>
-  <mc:AlternateContent xmlns:mc="http://schemas.openxmlformats.org/markup-compatibility/2006" xmlns:p14="http://schemas.microsoft.com/office/powerpoint/2010/main">
-    <mc:Choice Requires="p14">
-      <p:transition spd="med">
-        <p14:ferris dir="l"/>
-      </p:transition>
-    </mc:Choice>
-    <mc:Fallback xmlns="">
+    <mc:Fallback>
       <p:transition spd="med">
         <p:fade/>
       </p:transition>
@@ -6439,33 +6387,6 @@
       </p:grpSpPr>
       <p:sp>
         <p:nvSpPr>
-          <p:cNvPr id="3" name="Content Placeholder 2"/>
-          <p:cNvSpPr>
-            <a:spLocks noGrp="1"/>
-          </p:cNvSpPr>
-          <p:nvPr>
-            <p:ph idx="1"/>
-          </p:nvPr>
-        </p:nvSpPr>
-        <p:spPr>
-          <a:xfrm>
-            <a:off x="838200" y="1825625"/>
-            <a:ext cx="10515600" cy="4291840"/>
-          </a:xfrm>
-        </p:spPr>
-        <p:txBody>
-          <a:bodyPr/>
-          <a:lstStyle/>
-          <a:p>
-            <a:r>
-              <a:rPr lang="pt-PT" dirty="0"/>
-              <a:t>Obter valores de calibração para correspondência entre as 2 imagem (Cor e térmica)</a:t>
-            </a:r>
-          </a:p>
-        </p:txBody>
-      </p:sp>
-      <p:sp>
-        <p:nvSpPr>
           <p:cNvPr id="5" name="Slide Number Placeholder 9"/>
           <p:cNvSpPr txBox="1">
             <a:spLocks/>
@@ -6640,44 +6561,33 @@
           </a:lstStyle>
           <a:p>
             <a:r>
-              <a:rPr lang="pt-PT" sz="5400" b="1" dirty="0" err="1"/>
-              <a:t>Image</a:t>
-            </a:r>
-            <a:r>
               <a:rPr lang="pt-PT" sz="5400" b="1" dirty="0"/>
-              <a:t> </a:t>
-            </a:r>
-            <a:r>
-              <a:rPr lang="pt-PT" sz="5400" b="1" dirty="0" err="1"/>
-              <a:t>Matching</a:t>
-            </a:r>
-            <a:endParaRPr lang="pt-PT" sz="5400" b="1" dirty="0"/>
+              <a:t>Obtenção Imagem Térmica</a:t>
+            </a:r>
           </a:p>
         </p:txBody>
       </p:sp>
       <p:pic>
         <p:nvPicPr>
-          <p:cNvPr id="7" name="Imagem 10" descr="L:\Pen\Chessboard_images\right00.jpg"/>
+          <p:cNvPr id="8" name="Imagem 9"/>
           <p:cNvPicPr/>
           <p:nvPr/>
         </p:nvPicPr>
-        <p:blipFill>
-          <a:blip r:embed="rId2" cstate="print">
+        <p:blipFill rotWithShape="1">
+          <a:blip r:embed="rId2">
             <a:extLst>
               <a:ext uri="{28A0092B-C50C-407E-A947-70E740481C1C}">
                 <a14:useLocalDpi xmlns:a14="http://schemas.microsoft.com/office/drawing/2010/main" val="0"/>
               </a:ext>
             </a:extLst>
           </a:blip>
-          <a:srcRect/>
-          <a:stretch>
-            <a:fillRect/>
-          </a:stretch>
+          <a:srcRect l="2440" t="3591" r="1242" b="1567"/>
+          <a:stretch/>
         </p:blipFill>
         <p:spPr bwMode="auto">
           <a:xfrm>
-            <a:off x="2908132" y="3226194"/>
-            <a:ext cx="3247628" cy="2435018"/>
+            <a:off x="5885553" y="1949284"/>
+            <a:ext cx="5306888" cy="3920375"/>
           </a:xfrm>
           <a:prstGeom prst="rect">
             <a:avLst/>
@@ -6690,54 +6600,45 @@
       </p:pic>
       <p:pic>
         <p:nvPicPr>
-          <p:cNvPr id="8" name="Imagem 11" descr="L:\Pen\Chessboard_images\left00.jpg"/>
-          <p:cNvPicPr/>
+          <p:cNvPr id="2" name="Imagem 1"/>
+          <p:cNvPicPr>
+            <a:picLocks noChangeAspect="1"/>
+          </p:cNvPicPr>
           <p:nvPr/>
         </p:nvPicPr>
         <p:blipFill>
-          <a:blip r:embed="rId3">
-            <a:extLst>
-              <a:ext uri="{28A0092B-C50C-407E-A947-70E740481C1C}">
-                <a14:useLocalDpi xmlns:a14="http://schemas.microsoft.com/office/drawing/2010/main" val="0"/>
-              </a:ext>
-            </a:extLst>
-          </a:blip>
-          <a:srcRect/>
+          <a:blip r:embed="rId3"/>
           <a:stretch>
             <a:fillRect/>
           </a:stretch>
         </p:blipFill>
-        <p:spPr bwMode="auto">
+        <p:spPr>
           <a:xfrm>
-            <a:off x="6155760" y="3226194"/>
-            <a:ext cx="3247628" cy="2435018"/>
+            <a:off x="578665" y="1949284"/>
+            <a:ext cx="5306888" cy="3945429"/>
           </a:xfrm>
           <a:prstGeom prst="rect">
             <a:avLst/>
           </a:prstGeom>
-          <a:noFill/>
-          <a:ln>
-            <a:noFill/>
-          </a:ln>
         </p:spPr>
       </p:pic>
     </p:spTree>
     <p:extLst>
       <p:ext uri="{BB962C8B-B14F-4D97-AF65-F5344CB8AC3E}">
-        <p14:creationId xmlns:p14="http://schemas.microsoft.com/office/powerpoint/2010/main" val="2714890254"/>
+        <p14:creationId xmlns:p14="http://schemas.microsoft.com/office/powerpoint/2010/main" val="635908351"/>
       </p:ext>
     </p:extLst>
   </p:cSld>
   <p:clrMapOvr>
     <a:masterClrMapping/>
   </p:clrMapOvr>
-  <mc:AlternateContent xmlns:mc="http://schemas.openxmlformats.org/markup-compatibility/2006" xmlns:p14="http://schemas.microsoft.com/office/powerpoint/2010/main">
-    <mc:Choice Requires="p14">
+  <mc:AlternateContent xmlns:mc="http://schemas.openxmlformats.org/markup-compatibility/2006">
+    <mc:Choice xmlns:p14="http://schemas.microsoft.com/office/powerpoint/2010/main" Requires="p14">
       <p:transition spd="med">
         <p14:ferris dir="l"/>
       </p:transition>
     </mc:Choice>
-    <mc:Fallback xmlns="">
+    <mc:Fallback>
       <p:transition spd="med">
         <p:fade/>
       </p:transition>
@@ -6765,6 +6666,33 @@
       </p:grpSpPr>
       <p:sp>
         <p:nvSpPr>
+          <p:cNvPr id="3" name="Content Placeholder 2"/>
+          <p:cNvSpPr>
+            <a:spLocks noGrp="1"/>
+          </p:cNvSpPr>
+          <p:nvPr>
+            <p:ph idx="1"/>
+          </p:nvPr>
+        </p:nvSpPr>
+        <p:spPr>
+          <a:xfrm>
+            <a:off x="838200" y="1825625"/>
+            <a:ext cx="10515600" cy="4291840"/>
+          </a:xfrm>
+        </p:spPr>
+        <p:txBody>
+          <a:bodyPr/>
+          <a:lstStyle/>
+          <a:p>
+            <a:r>
+              <a:rPr lang="pt-PT" dirty="0"/>
+              <a:t>Obter valores de calibração para correspondência entre as 2 imagem (Cor e térmica)</a:t>
+            </a:r>
+          </a:p>
+        </p:txBody>
+      </p:sp>
+      <p:sp>
+        <p:nvSpPr>
           <p:cNvPr id="5" name="Slide Number Placeholder 9"/>
           <p:cNvSpPr txBox="1">
             <a:spLocks/>
@@ -6939,12 +6867,16 @@
           </a:lstStyle>
           <a:p>
             <a:r>
+              <a:rPr lang="pt-PT" sz="5400" b="1" dirty="0" err="1"/>
+              <a:t>Image</a:t>
+            </a:r>
+            <a:r>
               <a:rPr lang="pt-PT" sz="5400" b="1" dirty="0"/>
-              <a:t>Calibração das </a:t>
+              <a:t> </a:t>
             </a:r>
             <a:r>
               <a:rPr lang="pt-PT" sz="5400" b="1" dirty="0" err="1"/>
-              <a:t>cameras</a:t>
+              <a:t>Matching</a:t>
             </a:r>
             <a:endParaRPr lang="pt-PT" sz="5400" b="1" dirty="0"/>
           </a:p>
@@ -6952,12 +6884,12 @@
       </p:sp>
       <p:pic>
         <p:nvPicPr>
-          <p:cNvPr id="8" name="Imagem 11" descr="L:\Pen\Chessboard_images\left00.jpg"/>
+          <p:cNvPr id="7" name="Imagem 10" descr="L:\Pen\Chessboard_images\right00.jpg"/>
           <p:cNvPicPr/>
           <p:nvPr/>
         </p:nvPicPr>
         <p:blipFill>
-          <a:blip r:embed="rId2">
+          <a:blip r:embed="rId2" cstate="print">
             <a:extLst>
               <a:ext uri="{28A0092B-C50C-407E-A947-70E740481C1C}">
                 <a14:useLocalDpi xmlns:a14="http://schemas.microsoft.com/office/drawing/2010/main" val="0"/>
@@ -6971,8 +6903,8 @@
         </p:blipFill>
         <p:spPr bwMode="auto">
           <a:xfrm>
-            <a:off x="5848040" y="2592460"/>
-            <a:ext cx="3570918" cy="2817665"/>
+            <a:off x="2908132" y="3226194"/>
+            <a:ext cx="3247628" cy="2435018"/>
           </a:xfrm>
           <a:prstGeom prst="rect">
             <a:avLst/>
@@ -6985,91 +6917,54 @@
       </p:pic>
       <p:pic>
         <p:nvPicPr>
-          <p:cNvPr id="2" name="Imagem 1"/>
-          <p:cNvPicPr>
-            <a:picLocks noChangeAspect="1"/>
-          </p:cNvPicPr>
+          <p:cNvPr id="8" name="Imagem 11" descr="L:\Pen\Chessboard_images\left00.jpg"/>
+          <p:cNvPicPr/>
           <p:nvPr/>
         </p:nvPicPr>
         <p:blipFill>
-          <a:blip r:embed="rId3"/>
+          <a:blip r:embed="rId3">
+            <a:extLst>
+              <a:ext uri="{28A0092B-C50C-407E-A947-70E740481C1C}">
+                <a14:useLocalDpi xmlns:a14="http://schemas.microsoft.com/office/drawing/2010/main" val="0"/>
+              </a:ext>
+            </a:extLst>
+          </a:blip>
+          <a:srcRect/>
           <a:stretch>
             <a:fillRect/>
           </a:stretch>
         </p:blipFill>
-        <p:spPr>
+        <p:spPr bwMode="auto">
           <a:xfrm>
-            <a:off x="2093339" y="2592460"/>
-            <a:ext cx="3754701" cy="2817665"/>
+            <a:off x="6155760" y="3226194"/>
+            <a:ext cx="3247628" cy="2435018"/>
           </a:xfrm>
           <a:prstGeom prst="rect">
             <a:avLst/>
           </a:prstGeom>
+          <a:noFill/>
+          <a:ln>
+            <a:noFill/>
+          </a:ln>
         </p:spPr>
       </p:pic>
-      <p:sp>
-        <p:nvSpPr>
-          <p:cNvPr id="9" name="Marcador de Posição de Conteúdo 8"/>
-          <p:cNvSpPr>
-            <a:spLocks noGrp="1"/>
-          </p:cNvSpPr>
-          <p:nvPr>
-            <p:ph idx="1"/>
-          </p:nvPr>
-        </p:nvSpPr>
-        <p:spPr/>
-        <p:txBody>
-          <a:bodyPr/>
-          <a:lstStyle/>
-          <a:p>
-            <a:r>
-              <a:rPr lang="pt-PT" dirty="0"/>
-              <a:t>Problemas</a:t>
-            </a:r>
-            <a:r>
-              <a:rPr lang="en-US" dirty="0"/>
-              <a:t> com a </a:t>
-            </a:r>
-            <a:r>
-              <a:rPr lang="pt-PT" dirty="0"/>
-              <a:t>calibração</a:t>
-            </a:r>
-            <a:r>
-              <a:rPr lang="en-US" dirty="0"/>
-              <a:t> da </a:t>
-            </a:r>
-            <a:r>
-              <a:rPr lang="pt-PT" dirty="0"/>
-              <a:t>imagem</a:t>
-            </a:r>
-            <a:r>
-              <a:rPr lang="en-US" dirty="0"/>
-              <a:t> </a:t>
-            </a:r>
-            <a:r>
-              <a:rPr lang="pt-PT" dirty="0"/>
-              <a:t>térmica</a:t>
-            </a:r>
-          </a:p>
-        </p:txBody>
-      </p:sp>
     </p:spTree>
     <p:extLst>
       <p:ext uri="{BB962C8B-B14F-4D97-AF65-F5344CB8AC3E}">
-        <p14:creationId xmlns:p14="http://schemas.microsoft.com/office/powerpoint/2010/main" val="937430316"/>
+        <p14:creationId xmlns:p14="http://schemas.microsoft.com/office/powerpoint/2010/main" val="2714890254"/>
       </p:ext>
     </p:extLst>
   </p:cSld>
   <p:clrMapOvr>
     <a:masterClrMapping/>
   </p:clrMapOvr>
-  <mc:AlternateContent xmlns:mc="http://schemas.openxmlformats.org/markup-compatibility/2006" xmlns:p14="http://schemas.microsoft.com/office/powerpoint/2010/main">
-    <mc:Choice Requires="p14">
+  <mc:AlternateContent xmlns:mc="http://schemas.openxmlformats.org/markup-compatibility/2006">
+    <mc:Choice xmlns:p14="http://schemas.microsoft.com/office/powerpoint/2010/main" Requires="p14">
       <p:transition spd="med">
         <p14:ferris dir="l"/>
       </p:transition>
     </mc:Choice>
-    <mc:Fallback xmlns="">
+    <mc:Fallback>
       <p:transition spd="med">
         <p:fade/>
       </p:transition>
@@ -7282,6 +7177,338 @@
           </a:p>
         </p:txBody>
       </p:sp>
+      <p:pic>
+        <p:nvPicPr>
+          <p:cNvPr id="8" name="Imagem 11" descr="L:\Pen\Chessboard_images\left00.jpg"/>
+          <p:cNvPicPr/>
+          <p:nvPr/>
+        </p:nvPicPr>
+        <p:blipFill>
+          <a:blip r:embed="rId2">
+            <a:extLst>
+              <a:ext uri="{28A0092B-C50C-407E-A947-70E740481C1C}">
+                <a14:useLocalDpi xmlns:a14="http://schemas.microsoft.com/office/drawing/2010/main" val="0"/>
+              </a:ext>
+            </a:extLst>
+          </a:blip>
+          <a:srcRect/>
+          <a:stretch>
+            <a:fillRect/>
+          </a:stretch>
+        </p:blipFill>
+        <p:spPr bwMode="auto">
+          <a:xfrm>
+            <a:off x="5848040" y="2592460"/>
+            <a:ext cx="3570918" cy="2817665"/>
+          </a:xfrm>
+          <a:prstGeom prst="rect">
+            <a:avLst/>
+          </a:prstGeom>
+          <a:noFill/>
+          <a:ln>
+            <a:noFill/>
+          </a:ln>
+        </p:spPr>
+      </p:pic>
+      <p:pic>
+        <p:nvPicPr>
+          <p:cNvPr id="2" name="Imagem 1"/>
+          <p:cNvPicPr>
+            <a:picLocks noChangeAspect="1"/>
+          </p:cNvPicPr>
+          <p:nvPr/>
+        </p:nvPicPr>
+        <p:blipFill>
+          <a:blip r:embed="rId3"/>
+          <a:stretch>
+            <a:fillRect/>
+          </a:stretch>
+        </p:blipFill>
+        <p:spPr>
+          <a:xfrm>
+            <a:off x="2093339" y="2592460"/>
+            <a:ext cx="3754701" cy="2817665"/>
+          </a:xfrm>
+          <a:prstGeom prst="rect">
+            <a:avLst/>
+          </a:prstGeom>
+        </p:spPr>
+      </p:pic>
+      <p:sp>
+        <p:nvSpPr>
+          <p:cNvPr id="9" name="Marcador de Posição de Conteúdo 8"/>
+          <p:cNvSpPr>
+            <a:spLocks noGrp="1"/>
+          </p:cNvSpPr>
+          <p:nvPr>
+            <p:ph idx="1"/>
+          </p:nvPr>
+        </p:nvSpPr>
+        <p:spPr/>
+        <p:txBody>
+          <a:bodyPr/>
+          <a:lstStyle/>
+          <a:p>
+            <a:r>
+              <a:rPr lang="pt-PT" dirty="0"/>
+              <a:t>Problemas</a:t>
+            </a:r>
+            <a:r>
+              <a:rPr lang="en-US" dirty="0"/>
+              <a:t> com a </a:t>
+            </a:r>
+            <a:r>
+              <a:rPr lang="pt-PT" dirty="0"/>
+              <a:t>calibração</a:t>
+            </a:r>
+            <a:r>
+              <a:rPr lang="en-US" dirty="0"/>
+              <a:t> da </a:t>
+            </a:r>
+            <a:r>
+              <a:rPr lang="pt-PT" dirty="0"/>
+              <a:t>imagem</a:t>
+            </a:r>
+            <a:r>
+              <a:rPr lang="en-US" dirty="0"/>
+              <a:t> </a:t>
+            </a:r>
+            <a:r>
+              <a:rPr lang="pt-PT" dirty="0"/>
+              <a:t>térmica</a:t>
+            </a:r>
+          </a:p>
+        </p:txBody>
+      </p:sp>
+    </p:spTree>
+    <p:extLst>
+      <p:ext uri="{BB962C8B-B14F-4D97-AF65-F5344CB8AC3E}">
+        <p14:creationId xmlns:p14="http://schemas.microsoft.com/office/powerpoint/2010/main" val="937430316"/>
+      </p:ext>
+    </p:extLst>
+  </p:cSld>
+  <p:clrMapOvr>
+    <a:masterClrMapping/>
+  </p:clrMapOvr>
+  <mc:AlternateContent xmlns:mc="http://schemas.openxmlformats.org/markup-compatibility/2006">
+    <mc:Choice xmlns:p14="http://schemas.microsoft.com/office/powerpoint/2010/main" Requires="p14">
+      <p:transition spd="med">
+        <p14:ferris dir="l"/>
+      </p:transition>
+    </mc:Choice>
+    <mc:Fallback>
+      <p:transition spd="med">
+        <p:fade/>
+      </p:transition>
+    </mc:Fallback>
+  </mc:AlternateContent>
+</p:sld>
+</file>
+
+<file path=ppt/slides/slide18.xml><?xml version="1.0" encoding="utf-8"?>
+<p:sld xmlns:a="http://schemas.openxmlformats.org/drawingml/2006/main" xmlns:r="http://schemas.openxmlformats.org/officeDocument/2006/relationships" xmlns:p="http://schemas.openxmlformats.org/presentationml/2006/main">
+  <p:cSld>
+    <p:spTree>
+      <p:nvGrpSpPr>
+        <p:cNvPr id="1" name=""/>
+        <p:cNvGrpSpPr/>
+        <p:nvPr/>
+      </p:nvGrpSpPr>
+      <p:grpSpPr>
+        <a:xfrm>
+          <a:off x="0" y="0"/>
+          <a:ext cx="0" cy="0"/>
+          <a:chOff x="0" y="0"/>
+          <a:chExt cx="0" cy="0"/>
+        </a:xfrm>
+      </p:grpSpPr>
+      <p:sp>
+        <p:nvSpPr>
+          <p:cNvPr id="5" name="Slide Number Placeholder 9"/>
+          <p:cNvSpPr txBox="1">
+            <a:spLocks/>
+          </p:cNvSpPr>
+          <p:nvPr/>
+        </p:nvSpPr>
+        <p:spPr>
+          <a:xfrm>
+            <a:off x="10179423" y="5661212"/>
+            <a:ext cx="1550924" cy="954741"/>
+          </a:xfrm>
+          <a:prstGeom prst="rect">
+            <a:avLst/>
+          </a:prstGeom>
+        </p:spPr>
+        <p:txBody>
+          <a:bodyPr vert="horz" lIns="91440" tIns="45720" rIns="91440" bIns="45720" rtlCol="0" anchor="ctr"/>
+          <a:lstStyle>
+            <a:defPPr>
+              <a:defRPr lang="en-US"/>
+            </a:defPPr>
+            <a:lvl1pPr marL="0" algn="r" defTabSz="457200" rtl="0" eaLnBrk="1" latinLnBrk="0" hangingPunct="1">
+              <a:defRPr sz="1200" kern="1200">
+                <a:solidFill>
+                  <a:schemeClr val="tx1">
+                    <a:tint val="75000"/>
+                  </a:schemeClr>
+                </a:solidFill>
+                <a:latin typeface="+mn-lt"/>
+                <a:ea typeface="+mn-ea"/>
+                <a:cs typeface="+mn-cs"/>
+              </a:defRPr>
+            </a:lvl1pPr>
+            <a:lvl2pPr marL="457200" algn="l" defTabSz="457200" rtl="0" eaLnBrk="1" latinLnBrk="0" hangingPunct="1">
+              <a:defRPr sz="1800" kern="1200">
+                <a:solidFill>
+                  <a:schemeClr val="tx1"/>
+                </a:solidFill>
+                <a:latin typeface="+mn-lt"/>
+                <a:ea typeface="+mn-ea"/>
+                <a:cs typeface="+mn-cs"/>
+              </a:defRPr>
+            </a:lvl2pPr>
+            <a:lvl3pPr marL="914400" algn="l" defTabSz="457200" rtl="0" eaLnBrk="1" latinLnBrk="0" hangingPunct="1">
+              <a:defRPr sz="1800" kern="1200">
+                <a:solidFill>
+                  <a:schemeClr val="tx1"/>
+                </a:solidFill>
+                <a:latin typeface="+mn-lt"/>
+                <a:ea typeface="+mn-ea"/>
+                <a:cs typeface="+mn-cs"/>
+              </a:defRPr>
+            </a:lvl3pPr>
+            <a:lvl4pPr marL="1371600" algn="l" defTabSz="457200" rtl="0" eaLnBrk="1" latinLnBrk="0" hangingPunct="1">
+              <a:defRPr sz="1800" kern="1200">
+                <a:solidFill>
+                  <a:schemeClr val="tx1"/>
+                </a:solidFill>
+                <a:latin typeface="+mn-lt"/>
+                <a:ea typeface="+mn-ea"/>
+                <a:cs typeface="+mn-cs"/>
+              </a:defRPr>
+            </a:lvl4pPr>
+            <a:lvl5pPr marL="1828800" algn="l" defTabSz="457200" rtl="0" eaLnBrk="1" latinLnBrk="0" hangingPunct="1">
+              <a:defRPr sz="1800" kern="1200">
+                <a:solidFill>
+                  <a:schemeClr val="tx1"/>
+                </a:solidFill>
+                <a:latin typeface="+mn-lt"/>
+                <a:ea typeface="+mn-ea"/>
+                <a:cs typeface="+mn-cs"/>
+              </a:defRPr>
+            </a:lvl5pPr>
+            <a:lvl6pPr marL="2286000" algn="l" defTabSz="457200" rtl="0" eaLnBrk="1" latinLnBrk="0" hangingPunct="1">
+              <a:defRPr sz="1800" kern="1200">
+                <a:solidFill>
+                  <a:schemeClr val="tx1"/>
+                </a:solidFill>
+                <a:latin typeface="+mn-lt"/>
+                <a:ea typeface="+mn-ea"/>
+                <a:cs typeface="+mn-cs"/>
+              </a:defRPr>
+            </a:lvl6pPr>
+            <a:lvl7pPr marL="2743200" algn="l" defTabSz="457200" rtl="0" eaLnBrk="1" latinLnBrk="0" hangingPunct="1">
+              <a:defRPr sz="1800" kern="1200">
+                <a:solidFill>
+                  <a:schemeClr val="tx1"/>
+                </a:solidFill>
+                <a:latin typeface="+mn-lt"/>
+                <a:ea typeface="+mn-ea"/>
+                <a:cs typeface="+mn-cs"/>
+              </a:defRPr>
+            </a:lvl7pPr>
+            <a:lvl8pPr marL="3200400" algn="l" defTabSz="457200" rtl="0" eaLnBrk="1" latinLnBrk="0" hangingPunct="1">
+              <a:defRPr sz="1800" kern="1200">
+                <a:solidFill>
+                  <a:schemeClr val="tx1"/>
+                </a:solidFill>
+                <a:latin typeface="+mn-lt"/>
+                <a:ea typeface="+mn-ea"/>
+                <a:cs typeface="+mn-cs"/>
+              </a:defRPr>
+            </a:lvl8pPr>
+            <a:lvl9pPr marL="3657600" algn="l" defTabSz="457200" rtl="0" eaLnBrk="1" latinLnBrk="0" hangingPunct="1">
+              <a:defRPr sz="1800" kern="1200">
+                <a:solidFill>
+                  <a:schemeClr val="tx1"/>
+                </a:solidFill>
+                <a:latin typeface="+mn-lt"/>
+                <a:ea typeface="+mn-ea"/>
+                <a:cs typeface="+mn-cs"/>
+              </a:defRPr>
+            </a:lvl9pPr>
+          </a:lstStyle>
+          <a:p>
+            <a:fld id="{314730DC-B0D2-40B4-833E-D6BD1CDAC76B}" type="slidenum">
+              <a:rPr lang="pt-PT" sz="6600" smtClean="0">
+                <a:solidFill>
+                  <a:schemeClr val="tx1"/>
+                </a:solidFill>
+              </a:rPr>
+              <a:pPr/>
+              <a:t>18</a:t>
+            </a:fld>
+            <a:endParaRPr lang="pt-PT" sz="6600" dirty="0">
+              <a:solidFill>
+                <a:schemeClr val="tx1"/>
+              </a:solidFill>
+            </a:endParaRPr>
+          </a:p>
+        </p:txBody>
+      </p:sp>
+      <p:sp>
+        <p:nvSpPr>
+          <p:cNvPr id="6" name="Title 1"/>
+          <p:cNvSpPr txBox="1">
+            <a:spLocks/>
+          </p:cNvSpPr>
+          <p:nvPr/>
+        </p:nvSpPr>
+        <p:spPr>
+          <a:xfrm>
+            <a:off x="657223" y="499533"/>
+            <a:ext cx="10772775" cy="1658198"/>
+          </a:xfrm>
+          <a:prstGeom prst="rect">
+            <a:avLst/>
+          </a:prstGeom>
+        </p:spPr>
+        <p:txBody>
+          <a:bodyPr vert="horz" lIns="91440" tIns="45720" rIns="91440" bIns="45720" rtlCol="0" anchor="ctr">
+            <a:normAutofit/>
+          </a:bodyPr>
+          <a:lstStyle>
+            <a:lvl1pPr algn="l" defTabSz="914400" rtl="0" eaLnBrk="1" latinLnBrk="0" hangingPunct="1">
+              <a:lnSpc>
+                <a:spcPct val="90000"/>
+              </a:lnSpc>
+              <a:spcBef>
+                <a:spcPct val="0"/>
+              </a:spcBef>
+              <a:buNone/>
+              <a:defRPr sz="4400" kern="1200">
+                <a:solidFill>
+                  <a:schemeClr val="tx1"/>
+                </a:solidFill>
+                <a:latin typeface="+mj-lt"/>
+                <a:ea typeface="+mj-ea"/>
+                <a:cs typeface="+mj-cs"/>
+              </a:defRPr>
+            </a:lvl1pPr>
+          </a:lstStyle>
+          <a:p>
+            <a:r>
+              <a:rPr lang="pt-PT" sz="5400" b="1" dirty="0"/>
+              <a:t>Calibração das </a:t>
+            </a:r>
+            <a:r>
+              <a:rPr lang="pt-PT" sz="5400" b="1" dirty="0" err="1"/>
+              <a:t>cameras</a:t>
+            </a:r>
+            <a:endParaRPr lang="pt-PT" sz="5400" b="1" dirty="0"/>
+          </a:p>
+        </p:txBody>
+      </p:sp>
       <p:sp>
         <p:nvSpPr>
           <p:cNvPr id="9" name="Marcador de Posição de Conteúdo 8"/>
@@ -7399,294 +7626,13 @@
   <p:clrMapOvr>
     <a:masterClrMapping/>
   </p:clrMapOvr>
-  <mc:AlternateContent xmlns:mc="http://schemas.openxmlformats.org/markup-compatibility/2006" xmlns:p14="http://schemas.microsoft.com/office/powerpoint/2010/main">
-    <mc:Choice Requires="p14">
+  <mc:AlternateContent xmlns:mc="http://schemas.openxmlformats.org/markup-compatibility/2006">
+    <mc:Choice xmlns:p14="http://schemas.microsoft.com/office/powerpoint/2010/main" Requires="p14">
       <p:transition spd="med">
         <p14:ferris dir="l"/>
       </p:transition>
     </mc:Choice>
-    <mc:Fallback xmlns="">
-      <p:transition spd="med">
-        <p:fade/>
-      </p:transition>
-    </mc:Fallback>
-  </mc:AlternateContent>
-</p:sld>
-</file>
-
-<file path=ppt/slides/slide18.xml><?xml version="1.0" encoding="utf-8"?>
-<p:sld xmlns:a="http://schemas.openxmlformats.org/drawingml/2006/main" xmlns:r="http://schemas.openxmlformats.org/officeDocument/2006/relationships" xmlns:p="http://schemas.openxmlformats.org/presentationml/2006/main">
-  <p:cSld>
-    <p:spTree>
-      <p:nvGrpSpPr>
-        <p:cNvPr id="1" name=""/>
-        <p:cNvGrpSpPr/>
-        <p:nvPr/>
-      </p:nvGrpSpPr>
-      <p:grpSpPr>
-        <a:xfrm>
-          <a:off x="0" y="0"/>
-          <a:ext cx="0" cy="0"/>
-          <a:chOff x="0" y="0"/>
-          <a:chExt cx="0" cy="0"/>
-        </a:xfrm>
-      </p:grpSpPr>
-      <p:sp>
-        <p:nvSpPr>
-          <p:cNvPr id="5" name="Slide Number Placeholder 9"/>
-          <p:cNvSpPr txBox="1">
-            <a:spLocks/>
-          </p:cNvSpPr>
-          <p:nvPr/>
-        </p:nvSpPr>
-        <p:spPr>
-          <a:xfrm>
-            <a:off x="10179423" y="5661212"/>
-            <a:ext cx="1550924" cy="954741"/>
-          </a:xfrm>
-          <a:prstGeom prst="rect">
-            <a:avLst/>
-          </a:prstGeom>
-        </p:spPr>
-        <p:txBody>
-          <a:bodyPr vert="horz" lIns="91440" tIns="45720" rIns="91440" bIns="45720" rtlCol="0" anchor="ctr"/>
-          <a:lstStyle>
-            <a:defPPr>
-              <a:defRPr lang="en-US"/>
-            </a:defPPr>
-            <a:lvl1pPr marL="0" algn="r" defTabSz="457200" rtl="0" eaLnBrk="1" latinLnBrk="0" hangingPunct="1">
-              <a:defRPr sz="1200" kern="1200">
-                <a:solidFill>
-                  <a:schemeClr val="tx1">
-                    <a:tint val="75000"/>
-                  </a:schemeClr>
-                </a:solidFill>
-                <a:latin typeface="+mn-lt"/>
-                <a:ea typeface="+mn-ea"/>
-                <a:cs typeface="+mn-cs"/>
-              </a:defRPr>
-            </a:lvl1pPr>
-            <a:lvl2pPr marL="457200" algn="l" defTabSz="457200" rtl="0" eaLnBrk="1" latinLnBrk="0" hangingPunct="1">
-              <a:defRPr sz="1800" kern="1200">
-                <a:solidFill>
-                  <a:schemeClr val="tx1"/>
-                </a:solidFill>
-                <a:latin typeface="+mn-lt"/>
-                <a:ea typeface="+mn-ea"/>
-                <a:cs typeface="+mn-cs"/>
-              </a:defRPr>
-            </a:lvl2pPr>
-            <a:lvl3pPr marL="914400" algn="l" defTabSz="457200" rtl="0" eaLnBrk="1" latinLnBrk="0" hangingPunct="1">
-              <a:defRPr sz="1800" kern="1200">
-                <a:solidFill>
-                  <a:schemeClr val="tx1"/>
-                </a:solidFill>
-                <a:latin typeface="+mn-lt"/>
-                <a:ea typeface="+mn-ea"/>
-                <a:cs typeface="+mn-cs"/>
-              </a:defRPr>
-            </a:lvl3pPr>
-            <a:lvl4pPr marL="1371600" algn="l" defTabSz="457200" rtl="0" eaLnBrk="1" latinLnBrk="0" hangingPunct="1">
-              <a:defRPr sz="1800" kern="1200">
-                <a:solidFill>
-                  <a:schemeClr val="tx1"/>
-                </a:solidFill>
-                <a:latin typeface="+mn-lt"/>
-                <a:ea typeface="+mn-ea"/>
-                <a:cs typeface="+mn-cs"/>
-              </a:defRPr>
-            </a:lvl4pPr>
-            <a:lvl5pPr marL="1828800" algn="l" defTabSz="457200" rtl="0" eaLnBrk="1" latinLnBrk="0" hangingPunct="1">
-              <a:defRPr sz="1800" kern="1200">
-                <a:solidFill>
-                  <a:schemeClr val="tx1"/>
-                </a:solidFill>
-                <a:latin typeface="+mn-lt"/>
-                <a:ea typeface="+mn-ea"/>
-                <a:cs typeface="+mn-cs"/>
-              </a:defRPr>
-            </a:lvl5pPr>
-            <a:lvl6pPr marL="2286000" algn="l" defTabSz="457200" rtl="0" eaLnBrk="1" latinLnBrk="0" hangingPunct="1">
-              <a:defRPr sz="1800" kern="1200">
-                <a:solidFill>
-                  <a:schemeClr val="tx1"/>
-                </a:solidFill>
-                <a:latin typeface="+mn-lt"/>
-                <a:ea typeface="+mn-ea"/>
-                <a:cs typeface="+mn-cs"/>
-              </a:defRPr>
-            </a:lvl6pPr>
-            <a:lvl7pPr marL="2743200" algn="l" defTabSz="457200" rtl="0" eaLnBrk="1" latinLnBrk="0" hangingPunct="1">
-              <a:defRPr sz="1800" kern="1200">
-                <a:solidFill>
-                  <a:schemeClr val="tx1"/>
-                </a:solidFill>
-                <a:latin typeface="+mn-lt"/>
-                <a:ea typeface="+mn-ea"/>
-                <a:cs typeface="+mn-cs"/>
-              </a:defRPr>
-            </a:lvl7pPr>
-            <a:lvl8pPr marL="3200400" algn="l" defTabSz="457200" rtl="0" eaLnBrk="1" latinLnBrk="0" hangingPunct="1">
-              <a:defRPr sz="1800" kern="1200">
-                <a:solidFill>
-                  <a:schemeClr val="tx1"/>
-                </a:solidFill>
-                <a:latin typeface="+mn-lt"/>
-                <a:ea typeface="+mn-ea"/>
-                <a:cs typeface="+mn-cs"/>
-              </a:defRPr>
-            </a:lvl8pPr>
-            <a:lvl9pPr marL="3657600" algn="l" defTabSz="457200" rtl="0" eaLnBrk="1" latinLnBrk="0" hangingPunct="1">
-              <a:defRPr sz="1800" kern="1200">
-                <a:solidFill>
-                  <a:schemeClr val="tx1"/>
-                </a:solidFill>
-                <a:latin typeface="+mn-lt"/>
-                <a:ea typeface="+mn-ea"/>
-                <a:cs typeface="+mn-cs"/>
-              </a:defRPr>
-            </a:lvl9pPr>
-          </a:lstStyle>
-          <a:p>
-            <a:fld id="{314730DC-B0D2-40B4-833E-D6BD1CDAC76B}" type="slidenum">
-              <a:rPr lang="pt-PT" sz="6600" smtClean="0">
-                <a:solidFill>
-                  <a:schemeClr val="tx1"/>
-                </a:solidFill>
-              </a:rPr>
-              <a:pPr/>
-              <a:t>18</a:t>
-            </a:fld>
-            <a:endParaRPr lang="pt-PT" sz="6600" dirty="0">
-              <a:solidFill>
-                <a:schemeClr val="tx1"/>
-              </a:solidFill>
-            </a:endParaRPr>
-          </a:p>
-        </p:txBody>
-      </p:sp>
-      <p:sp>
-        <p:nvSpPr>
-          <p:cNvPr id="6" name="Title 1"/>
-          <p:cNvSpPr txBox="1">
-            <a:spLocks/>
-          </p:cNvSpPr>
-          <p:nvPr/>
-        </p:nvSpPr>
-        <p:spPr>
-          <a:xfrm>
-            <a:off x="657223" y="499533"/>
-            <a:ext cx="10772775" cy="1658198"/>
-          </a:xfrm>
-          <a:prstGeom prst="rect">
-            <a:avLst/>
-          </a:prstGeom>
-        </p:spPr>
-        <p:txBody>
-          <a:bodyPr vert="horz" lIns="91440" tIns="45720" rIns="91440" bIns="45720" rtlCol="0" anchor="ctr">
-            <a:normAutofit/>
-          </a:bodyPr>
-          <a:lstStyle>
-            <a:lvl1pPr algn="l" defTabSz="914400" rtl="0" eaLnBrk="1" latinLnBrk="0" hangingPunct="1">
-              <a:lnSpc>
-                <a:spcPct val="90000"/>
-              </a:lnSpc>
-              <a:spcBef>
-                <a:spcPct val="0"/>
-              </a:spcBef>
-              <a:buNone/>
-              <a:defRPr sz="4400" kern="1200">
-                <a:solidFill>
-                  <a:schemeClr val="tx1"/>
-                </a:solidFill>
-                <a:latin typeface="+mj-lt"/>
-                <a:ea typeface="+mj-ea"/>
-                <a:cs typeface="+mj-cs"/>
-              </a:defRPr>
-            </a:lvl1pPr>
-          </a:lstStyle>
-          <a:p>
-            <a:r>
-              <a:rPr lang="pt-PT" sz="5400" b="1" dirty="0" err="1"/>
-              <a:t>Image</a:t>
-            </a:r>
-            <a:r>
-              <a:rPr lang="pt-PT" sz="5400" b="1" dirty="0"/>
-              <a:t> </a:t>
-            </a:r>
-            <a:r>
-              <a:rPr lang="pt-PT" sz="5400" b="1" dirty="0" err="1"/>
-              <a:t>Matching</a:t>
-            </a:r>
-            <a:endParaRPr lang="pt-PT" sz="5400" b="1" dirty="0"/>
-          </a:p>
-        </p:txBody>
-      </p:sp>
-      <p:pic>
-        <p:nvPicPr>
-          <p:cNvPr id="8" name="Imagem 7"/>
-          <p:cNvPicPr>
-            <a:picLocks noChangeAspect="1"/>
-          </p:cNvPicPr>
-          <p:nvPr/>
-        </p:nvPicPr>
-        <p:blipFill>
-          <a:blip r:embed="rId2"/>
-          <a:stretch>
-            <a:fillRect/>
-          </a:stretch>
-        </p:blipFill>
-        <p:spPr>
-          <a:xfrm>
-            <a:off x="5731993" y="2237416"/>
-            <a:ext cx="4596405" cy="3455625"/>
-          </a:xfrm>
-          <a:prstGeom prst="rect">
-            <a:avLst/>
-          </a:prstGeom>
-        </p:spPr>
-      </p:pic>
-      <p:pic>
-        <p:nvPicPr>
-          <p:cNvPr id="10" name="Imagem 9"/>
-          <p:cNvPicPr>
-            <a:picLocks noChangeAspect="1"/>
-          </p:cNvPicPr>
-          <p:nvPr/>
-        </p:nvPicPr>
-        <p:blipFill>
-          <a:blip r:embed="rId3"/>
-          <a:stretch>
-            <a:fillRect/>
-          </a:stretch>
-        </p:blipFill>
-        <p:spPr>
-          <a:xfrm>
-            <a:off x="1174818" y="2237416"/>
-            <a:ext cx="4557175" cy="3423796"/>
-          </a:xfrm>
-          <a:prstGeom prst="rect">
-            <a:avLst/>
-          </a:prstGeom>
-        </p:spPr>
-      </p:pic>
-    </p:spTree>
-    <p:extLst>
-      <p:ext uri="{BB962C8B-B14F-4D97-AF65-F5344CB8AC3E}">
-        <p14:creationId xmlns:p14="http://schemas.microsoft.com/office/powerpoint/2010/main" val="3030800704"/>
-      </p:ext>
-    </p:extLst>
-  </p:cSld>
-  <p:clrMapOvr>
-    <a:masterClrMapping/>
-  </p:clrMapOvr>
-  <mc:AlternateContent xmlns:mc="http://schemas.openxmlformats.org/markup-compatibility/2006" xmlns:p14="http://schemas.microsoft.com/office/powerpoint/2010/main">
-    <mc:Choice Requires="p14">
-      <p:transition spd="med">
-        <p14:ferris dir="l"/>
-      </p:transition>
-    </mc:Choice>
-    <mc:Fallback xmlns="">
+    <mc:Fallback>
       <p:transition spd="med">
         <p:fade/>
       </p:transition>
@@ -7714,83 +7660,6 @@
       </p:grpSpPr>
       <p:sp>
         <p:nvSpPr>
-          <p:cNvPr id="3" name="Content Placeholder 2"/>
-          <p:cNvSpPr>
-            <a:spLocks noGrp="1"/>
-          </p:cNvSpPr>
-          <p:nvPr>
-            <p:ph idx="1"/>
-          </p:nvPr>
-        </p:nvSpPr>
-        <p:spPr>
-          <a:xfrm>
-            <a:off x="838200" y="1825625"/>
-            <a:ext cx="10515600" cy="4291840"/>
-          </a:xfrm>
-        </p:spPr>
-        <p:txBody>
-          <a:bodyPr/>
-          <a:lstStyle/>
-          <a:p>
-            <a:r>
-              <a:rPr lang="pt-PT" dirty="0"/>
-              <a:t>Uso de </a:t>
-            </a:r>
-            <a:r>
-              <a:rPr lang="pt-PT" dirty="0" err="1"/>
-              <a:t>optical</a:t>
-            </a:r>
-            <a:r>
-              <a:rPr lang="pt-PT" dirty="0"/>
-              <a:t> </a:t>
-            </a:r>
-            <a:r>
-              <a:rPr lang="pt-PT" dirty="0" err="1"/>
-              <a:t>flow</a:t>
-            </a:r>
-            <a:r>
-              <a:rPr lang="pt-PT" dirty="0"/>
-              <a:t> permitiria melhorar a implementação de face </a:t>
-            </a:r>
-            <a:r>
-              <a:rPr lang="pt-PT" dirty="0" err="1"/>
-              <a:t>tracking</a:t>
-            </a:r>
-            <a:endParaRPr lang="pt-PT" dirty="0"/>
-          </a:p>
-          <a:p>
-            <a:r>
-              <a:rPr lang="pt-PT" dirty="0"/>
-              <a:t>Uso de outros métodos para melhor calibração</a:t>
-            </a:r>
-          </a:p>
-          <a:p>
-            <a:r>
-              <a:rPr lang="pt-PT" dirty="0"/>
-              <a:t>Geração de imagem térmica de alta resolução a partir de informação de contorno da imagem a cores</a:t>
-            </a:r>
-          </a:p>
-          <a:p>
-            <a:r>
-              <a:rPr lang="pt-PT" dirty="0"/>
-              <a:t>Local </a:t>
-            </a:r>
-            <a:r>
-              <a:rPr lang="pt-PT" dirty="0" err="1"/>
-              <a:t>features</a:t>
-            </a:r>
-            <a:r>
-              <a:rPr lang="pt-PT" dirty="0"/>
-              <a:t> para expressões faciais</a:t>
-            </a:r>
-          </a:p>
-          <a:p>
-            <a:endParaRPr lang="pt-PT" dirty="0"/>
-          </a:p>
-        </p:txBody>
-      </p:sp>
-      <p:sp>
-        <p:nvSpPr>
           <p:cNvPr id="5" name="Slide Number Placeholder 9"/>
           <p:cNvSpPr txBox="1">
             <a:spLocks/>
@@ -7965,36 +7834,63 @@
           </a:lstStyle>
           <a:p>
             <a:r>
+              <a:rPr lang="pt-PT" sz="5400" b="1" dirty="0" err="1"/>
+              <a:t>Image</a:t>
+            </a:r>
+            <a:r>
               <a:rPr lang="pt-PT" sz="5400" b="1" dirty="0"/>
-              <a:t>A melhorar</a:t>
-            </a:r>
+              <a:t> </a:t>
+            </a:r>
+            <a:r>
+              <a:rPr lang="pt-PT" sz="5400" b="1" dirty="0" err="1"/>
+              <a:t>Matching</a:t>
+            </a:r>
+            <a:endParaRPr lang="pt-PT" sz="5400" b="1" dirty="0"/>
           </a:p>
         </p:txBody>
       </p:sp>
       <p:pic>
         <p:nvPicPr>
-          <p:cNvPr id="2" name="Picture 1"/>
+          <p:cNvPr id="8" name="Imagem 7"/>
           <p:cNvPicPr>
             <a:picLocks noChangeAspect="1"/>
           </p:cNvPicPr>
           <p:nvPr/>
         </p:nvPicPr>
         <p:blipFill>
-          <a:blip r:embed="rId2">
-            <a:extLst>
-              <a:ext uri="{28A0092B-C50C-407E-A947-70E740481C1C}">
-                <a14:useLocalDpi xmlns:a14="http://schemas.microsoft.com/office/drawing/2010/main" val="0"/>
-              </a:ext>
-            </a:extLst>
-          </a:blip>
+          <a:blip r:embed="rId2"/>
           <a:stretch>
             <a:fillRect/>
           </a:stretch>
         </p:blipFill>
         <p:spPr>
           <a:xfrm>
-            <a:off x="7027193" y="3697357"/>
-            <a:ext cx="3458460" cy="3458460"/>
+            <a:off x="5731993" y="2237416"/>
+            <a:ext cx="4596405" cy="3455625"/>
+          </a:xfrm>
+          <a:prstGeom prst="rect">
+            <a:avLst/>
+          </a:prstGeom>
+        </p:spPr>
+      </p:pic>
+      <p:pic>
+        <p:nvPicPr>
+          <p:cNvPr id="10" name="Imagem 9"/>
+          <p:cNvPicPr>
+            <a:picLocks noChangeAspect="1"/>
+          </p:cNvPicPr>
+          <p:nvPr/>
+        </p:nvPicPr>
+        <p:blipFill>
+          <a:blip r:embed="rId3"/>
+          <a:stretch>
+            <a:fillRect/>
+          </a:stretch>
+        </p:blipFill>
+        <p:spPr>
+          <a:xfrm>
+            <a:off x="1174818" y="2237416"/>
+            <a:ext cx="4557175" cy="3423796"/>
           </a:xfrm>
           <a:prstGeom prst="rect">
             <a:avLst/>
@@ -8004,20 +7900,20 @@
     </p:spTree>
     <p:extLst>
       <p:ext uri="{BB962C8B-B14F-4D97-AF65-F5344CB8AC3E}">
-        <p14:creationId xmlns:p14="http://schemas.microsoft.com/office/powerpoint/2010/main" val="3288729293"/>
+        <p14:creationId xmlns:p14="http://schemas.microsoft.com/office/powerpoint/2010/main" val="3030800704"/>
       </p:ext>
     </p:extLst>
   </p:cSld>
   <p:clrMapOvr>
     <a:masterClrMapping/>
   </p:clrMapOvr>
-  <mc:AlternateContent xmlns:mc="http://schemas.openxmlformats.org/markup-compatibility/2006" xmlns:p14="http://schemas.microsoft.com/office/powerpoint/2010/main">
-    <mc:Choice Requires="p14">
+  <mc:AlternateContent xmlns:mc="http://schemas.openxmlformats.org/markup-compatibility/2006">
+    <mc:Choice xmlns:p14="http://schemas.microsoft.com/office/powerpoint/2010/main" Requires="p14">
       <p:transition spd="med">
         <p14:ferris dir="l"/>
       </p:transition>
     </mc:Choice>
-    <mc:Fallback xmlns="">
+    <mc:Fallback>
       <p:transition spd="med">
         <p:fade/>
       </p:transition>
@@ -8099,7 +7995,10 @@
             <a:endParaRPr lang="pt-PT" dirty="0"/>
           </a:p>
           <a:p>
-            <a:endParaRPr lang="pt-PT" dirty="0"/>
+            <a:r>
+              <a:rPr lang="pt-PT" strike="sngStrike" dirty="0"/>
+              <a:t>Construção imagem térmica de alta resolução</a:t>
+            </a:r>
           </a:p>
           <a:p>
             <a:endParaRPr lang="pt-PT" dirty="0"/>
@@ -8338,13 +8237,13 @@
   <p:clrMapOvr>
     <a:masterClrMapping/>
   </p:clrMapOvr>
-  <mc:AlternateContent xmlns:mc="http://schemas.openxmlformats.org/markup-compatibility/2006" xmlns:p14="http://schemas.microsoft.com/office/powerpoint/2010/main">
-    <mc:Choice Requires="p14">
+  <mc:AlternateContent xmlns:mc="http://schemas.openxmlformats.org/markup-compatibility/2006">
+    <mc:Choice xmlns:p14="http://schemas.microsoft.com/office/powerpoint/2010/main" Requires="p14">
       <p:transition spd="med">
         <p14:ferris dir="l"/>
       </p:transition>
     </mc:Choice>
-    <mc:Fallback xmlns="">
+    <mc:Fallback>
       <p:transition spd="med">
         <p:fade/>
       </p:transition>
@@ -8372,178 +8271,7 @@
       </p:grpSpPr>
       <p:sp>
         <p:nvSpPr>
-          <p:cNvPr id="3" name="Content Placeholder 2"/>
-          <p:cNvSpPr>
-            <a:spLocks noGrp="1"/>
-          </p:cNvSpPr>
-          <p:nvPr>
-            <p:ph idx="1"/>
-          </p:nvPr>
-        </p:nvSpPr>
-        <p:spPr>
-          <a:xfrm>
-            <a:off x="514421" y="1946856"/>
-            <a:ext cx="11489511" cy="4281223"/>
-          </a:xfrm>
-        </p:spPr>
-        <p:txBody>
-          <a:bodyPr>
-            <a:normAutofit/>
-          </a:bodyPr>
-          <a:lstStyle/>
-          <a:p>
-            <a:r>
-              <a:rPr lang="pt-PT" dirty="0"/>
-              <a:t>Documentação disciplina</a:t>
-            </a:r>
-          </a:p>
-          <a:p>
-            <a:r>
-              <a:rPr lang="pt-PT" dirty="0"/>
-              <a:t>Documentação </a:t>
-            </a:r>
-            <a:r>
-              <a:rPr lang="pt-PT" dirty="0" err="1"/>
-              <a:t>OpenCV</a:t>
-            </a:r>
-            <a:r>
-              <a:rPr lang="pt-PT" dirty="0"/>
-              <a:t> 3.2</a:t>
-            </a:r>
-          </a:p>
-          <a:p>
-            <a:r>
-              <a:rPr lang="pt-PT" dirty="0" err="1"/>
-              <a:t>Accurate</a:t>
-            </a:r>
-            <a:r>
-              <a:rPr lang="pt-PT" dirty="0"/>
-              <a:t> </a:t>
-            </a:r>
-            <a:r>
-              <a:rPr lang="pt-PT" dirty="0" err="1"/>
-              <a:t>Eye</a:t>
-            </a:r>
-            <a:r>
-              <a:rPr lang="pt-PT" dirty="0"/>
-              <a:t> centre </a:t>
-            </a:r>
-            <a:r>
-              <a:rPr lang="pt-PT" dirty="0" err="1"/>
-              <a:t>localization</a:t>
-            </a:r>
-            <a:r>
-              <a:rPr lang="pt-PT" dirty="0"/>
-              <a:t> </a:t>
-            </a:r>
-            <a:r>
-              <a:rPr lang="pt-PT" dirty="0" err="1"/>
-              <a:t>by</a:t>
-            </a:r>
-            <a:r>
-              <a:rPr lang="pt-PT" dirty="0"/>
-              <a:t> </a:t>
-            </a:r>
-            <a:r>
-              <a:rPr lang="pt-PT" dirty="0" err="1"/>
-              <a:t>means</a:t>
-            </a:r>
-            <a:r>
-              <a:rPr lang="pt-PT" dirty="0"/>
-              <a:t> </a:t>
-            </a:r>
-            <a:r>
-              <a:rPr lang="pt-PT" dirty="0" err="1"/>
-              <a:t>of</a:t>
-            </a:r>
-            <a:r>
-              <a:rPr lang="pt-PT" dirty="0"/>
-              <a:t> </a:t>
-            </a:r>
-            <a:r>
-              <a:rPr lang="pt-PT" dirty="0" err="1"/>
-              <a:t>Gradients</a:t>
-            </a:r>
-            <a:endParaRPr lang="pt-PT" dirty="0"/>
-          </a:p>
-          <a:p>
-            <a:r>
-              <a:rPr lang="pt-PT" dirty="0" err="1"/>
-              <a:t>Haar</a:t>
-            </a:r>
-            <a:r>
-              <a:rPr lang="pt-PT" dirty="0"/>
-              <a:t> </a:t>
-            </a:r>
-            <a:r>
-              <a:rPr lang="pt-PT" dirty="0" err="1"/>
-              <a:t>Cascades</a:t>
-            </a:r>
-            <a:r>
-              <a:rPr lang="pt-PT" dirty="0"/>
-              <a:t> - alereimondo.no-ip.org/</a:t>
-            </a:r>
-            <a:r>
-              <a:rPr lang="pt-PT" dirty="0" err="1"/>
-              <a:t>OpenCV</a:t>
-            </a:r>
-            <a:r>
-              <a:rPr lang="pt-PT" dirty="0"/>
-              <a:t>/34</a:t>
-            </a:r>
-          </a:p>
-          <a:p>
-            <a:r>
-              <a:rPr lang="pt-PT" dirty="0"/>
-              <a:t>Face </a:t>
-            </a:r>
-            <a:r>
-              <a:rPr lang="pt-PT" dirty="0" err="1"/>
-              <a:t>and</a:t>
-            </a:r>
-            <a:r>
-              <a:rPr lang="pt-PT" dirty="0"/>
-              <a:t> facial </a:t>
-            </a:r>
-            <a:r>
-              <a:rPr lang="pt-PT" dirty="0" err="1"/>
-              <a:t>feature</a:t>
-            </a:r>
-            <a:r>
-              <a:rPr lang="pt-PT" dirty="0"/>
-              <a:t> </a:t>
-            </a:r>
-            <a:r>
-              <a:rPr lang="pt-PT" dirty="0" err="1"/>
-              <a:t>detection</a:t>
-            </a:r>
-            <a:r>
-              <a:rPr lang="pt-PT" dirty="0"/>
-              <a:t> </a:t>
-            </a:r>
-            <a:r>
-              <a:rPr lang="pt-PT" dirty="0" err="1"/>
-              <a:t>evaluation</a:t>
-            </a:r>
-            <a:endParaRPr lang="pt-PT" dirty="0"/>
-          </a:p>
-          <a:p>
-            <a:r>
-              <a:rPr lang="pt-PT" dirty="0"/>
-              <a:t>cseweb.ucsd.edu/~yuc007/documents/thermal.pdf</a:t>
-            </a:r>
-          </a:p>
-          <a:p>
-            <a:r>
-              <a:rPr lang="pt-PT" dirty="0"/>
-              <a:t>www.pureengineering.com/projects/lepton</a:t>
-            </a:r>
-          </a:p>
-        </p:txBody>
-      </p:sp>
-      <p:sp>
-        <p:nvSpPr>
-          <p:cNvPr id="10" name="Slide Number Placeholder 9"/>
+          <p:cNvPr id="5" name="Slide Number Placeholder 9"/>
           <p:cNvSpPr txBox="1">
             <a:spLocks/>
           </p:cNvSpPr>
@@ -8677,7 +8405,7 @@
       </p:sp>
       <p:sp>
         <p:nvSpPr>
-          <p:cNvPr id="9" name="Title 1"/>
+          <p:cNvPr id="6" name="Title 1"/>
           <p:cNvSpPr txBox="1">
             <a:spLocks/>
           </p:cNvSpPr>
@@ -8685,7 +8413,7 @@
         </p:nvSpPr>
         <p:spPr>
           <a:xfrm>
-            <a:off x="657224" y="499533"/>
+            <a:off x="657223" y="499533"/>
             <a:ext cx="10772775" cy="1658198"/>
           </a:xfrm>
           <a:prstGeom prst="rect">
@@ -8718,21 +8446,101 @@
           <a:p>
             <a:r>
               <a:rPr lang="pt-PT" sz="5400" b="1" dirty="0"/>
-              <a:t>Referências</a:t>
-            </a:r>
+              <a:t>Imagem térmica de “alta resolução”</a:t>
+            </a:r>
+          </a:p>
+        </p:txBody>
+      </p:sp>
+      <p:sp>
+        <p:nvSpPr>
+          <p:cNvPr id="7" name="Marcador de Posição de Conteúdo 8"/>
+          <p:cNvSpPr>
+            <a:spLocks noGrp="1"/>
+          </p:cNvSpPr>
+          <p:nvPr>
+            <p:ph idx="1"/>
+          </p:nvPr>
+        </p:nvSpPr>
+        <p:spPr>
+          <a:xfrm>
+            <a:off x="838200" y="1825625"/>
+            <a:ext cx="10515600" cy="1960764"/>
+          </a:xfrm>
+        </p:spPr>
+        <p:txBody>
+          <a:bodyPr>
+            <a:normAutofit/>
+          </a:bodyPr>
+          <a:lstStyle/>
+          <a:p>
+            <a:r>
+              <a:rPr lang="pt-PT" dirty="0"/>
+              <a:t>Reconstrução de imagem térmica de alta resolução</a:t>
+            </a:r>
+          </a:p>
+          <a:p>
+            <a:pPr lvl="1"/>
+            <a:r>
+              <a:rPr lang="pt-PT" dirty="0" err="1"/>
+              <a:t>Informaçao</a:t>
+            </a:r>
+            <a:r>
+              <a:rPr lang="pt-PT" dirty="0"/>
+              <a:t> de contorno de imagem RGB + </a:t>
+            </a:r>
+            <a:r>
+              <a:rPr lang="pt-PT" dirty="0" err="1"/>
+              <a:t>Info</a:t>
+            </a:r>
+            <a:r>
+              <a:rPr lang="pt-PT" dirty="0"/>
+              <a:t> térmica de imagem térmica</a:t>
+            </a:r>
+          </a:p>
+          <a:p>
+            <a:pPr lvl="1"/>
+            <a:r>
+              <a:rPr lang="pt-PT" dirty="0" err="1"/>
+              <a:t>Flooding</a:t>
+            </a:r>
+            <a:r>
+              <a:rPr lang="pt-PT" dirty="0"/>
+              <a:t> de cor até zona de contorno</a:t>
+            </a:r>
+          </a:p>
+          <a:p>
+            <a:pPr lvl="1"/>
+            <a:r>
+              <a:rPr lang="pt-PT" dirty="0"/>
+              <a:t>Necessário imagem </a:t>
+            </a:r>
+            <a:r>
+              <a:rPr lang="pt-PT" dirty="0" err="1"/>
+              <a:t>matching</a:t>
+            </a:r>
+            <a:r>
+              <a:rPr lang="pt-PT" dirty="0"/>
+              <a:t> para associação de pontos entre as imagens</a:t>
+            </a:r>
+          </a:p>
+          <a:p>
+            <a:endParaRPr lang="pt-PT" dirty="0"/>
+          </a:p>
+          <a:p>
+            <a:endParaRPr lang="pt-PT" dirty="0"/>
           </a:p>
         </p:txBody>
       </p:sp>
       <p:pic>
         <p:nvPicPr>
-          <p:cNvPr id="2" name="Picture 1"/>
+          <p:cNvPr id="3" name="Picture 2"/>
           <p:cNvPicPr>
             <a:picLocks noChangeAspect="1"/>
           </p:cNvPicPr>
           <p:nvPr/>
         </p:nvPicPr>
         <p:blipFill>
-          <a:blip r:embed="rId3">
+          <a:blip r:embed="rId2">
             <a:extLst>
               <a:ext uri="{28A0092B-C50C-407E-A947-70E740481C1C}">
                 <a14:useLocalDpi xmlns:a14="http://schemas.microsoft.com/office/drawing/2010/main" val="0"/>
@@ -8745,8 +8553,8 @@
         </p:blipFill>
         <p:spPr>
           <a:xfrm>
-            <a:off x="9069970" y="2693373"/>
-            <a:ext cx="2788188" cy="2788188"/>
+            <a:off x="7592920" y="3786389"/>
+            <a:ext cx="2864726" cy="2864726"/>
           </a:xfrm>
           <a:prstGeom prst="rect">
             <a:avLst/>
@@ -8756,20 +8564,20 @@
     </p:spTree>
     <p:extLst>
       <p:ext uri="{BB962C8B-B14F-4D97-AF65-F5344CB8AC3E}">
-        <p14:creationId xmlns:p14="http://schemas.microsoft.com/office/powerpoint/2010/main" val="1948292770"/>
+        <p14:creationId xmlns:p14="http://schemas.microsoft.com/office/powerpoint/2010/main" val="3345061251"/>
       </p:ext>
     </p:extLst>
   </p:cSld>
   <p:clrMapOvr>
     <a:masterClrMapping/>
   </p:clrMapOvr>
-  <mc:AlternateContent xmlns:mc="http://schemas.openxmlformats.org/markup-compatibility/2006" xmlns:p14="http://schemas.microsoft.com/office/powerpoint/2010/main">
-    <mc:Choice Requires="p14">
+  <mc:AlternateContent xmlns:mc="http://schemas.openxmlformats.org/markup-compatibility/2006">
+    <mc:Choice xmlns:p14="http://schemas.microsoft.com/office/powerpoint/2010/main" Requires="p14">
       <p:transition spd="med">
         <p14:ferris dir="l"/>
       </p:transition>
     </mc:Choice>
-    <mc:Fallback xmlns="">
+    <mc:Fallback>
       <p:transition spd="med">
         <p:fade/>
       </p:transition>
@@ -8797,7 +8605,84 @@
       </p:grpSpPr>
       <p:sp>
         <p:nvSpPr>
-          <p:cNvPr id="10" name="Slide Number Placeholder 9"/>
+          <p:cNvPr id="3" name="Content Placeholder 2"/>
+          <p:cNvSpPr>
+            <a:spLocks noGrp="1"/>
+          </p:cNvSpPr>
+          <p:nvPr>
+            <p:ph idx="1"/>
+          </p:nvPr>
+        </p:nvSpPr>
+        <p:spPr>
+          <a:xfrm>
+            <a:off x="838200" y="1825625"/>
+            <a:ext cx="10515600" cy="4291840"/>
+          </a:xfrm>
+        </p:spPr>
+        <p:txBody>
+          <a:bodyPr/>
+          <a:lstStyle/>
+          <a:p>
+            <a:r>
+              <a:rPr lang="pt-PT" dirty="0"/>
+              <a:t>Uso de </a:t>
+            </a:r>
+            <a:r>
+              <a:rPr lang="pt-PT" dirty="0" err="1"/>
+              <a:t>optical</a:t>
+            </a:r>
+            <a:r>
+              <a:rPr lang="pt-PT" dirty="0"/>
+              <a:t> </a:t>
+            </a:r>
+            <a:r>
+              <a:rPr lang="pt-PT" dirty="0" err="1"/>
+              <a:t>flow</a:t>
+            </a:r>
+            <a:r>
+              <a:rPr lang="pt-PT" dirty="0"/>
+              <a:t> permitiria melhorar a implementação de face </a:t>
+            </a:r>
+            <a:r>
+              <a:rPr lang="pt-PT" dirty="0" err="1"/>
+              <a:t>tracking</a:t>
+            </a:r>
+            <a:endParaRPr lang="pt-PT" dirty="0"/>
+          </a:p>
+          <a:p>
+            <a:r>
+              <a:rPr lang="pt-PT" dirty="0"/>
+              <a:t>Uso de outros métodos para melhor calibração</a:t>
+            </a:r>
+          </a:p>
+          <a:p>
+            <a:r>
+              <a:rPr lang="pt-PT" dirty="0"/>
+              <a:t>Geração de imagem térmica de alta resolução a partir de informação de contorno da imagem a cores</a:t>
+            </a:r>
+          </a:p>
+          <a:p>
+            <a:r>
+              <a:rPr lang="pt-PT" dirty="0"/>
+              <a:t>Local </a:t>
+            </a:r>
+            <a:r>
+              <a:rPr lang="pt-PT" dirty="0" err="1"/>
+              <a:t>features</a:t>
+            </a:r>
+            <a:r>
+              <a:rPr lang="pt-PT" dirty="0"/>
+              <a:t> para expressões faciais</a:t>
+            </a:r>
+          </a:p>
+          <a:p>
+            <a:endParaRPr lang="pt-PT" dirty="0"/>
+          </a:p>
+        </p:txBody>
+      </p:sp>
+      <p:sp>
+        <p:nvSpPr>
+          <p:cNvPr id="5" name="Slide Number Placeholder 9"/>
           <p:cNvSpPr txBox="1">
             <a:spLocks/>
           </p:cNvSpPr>
@@ -8931,7 +8816,7 @@
       </p:sp>
       <p:sp>
         <p:nvSpPr>
-          <p:cNvPr id="9" name="Title 1"/>
+          <p:cNvPr id="6" name="Title 1"/>
           <p:cNvSpPr txBox="1">
             <a:spLocks/>
           </p:cNvSpPr>
@@ -8939,8 +8824,8 @@
         </p:nvSpPr>
         <p:spPr>
           <a:xfrm>
-            <a:off x="787853" y="2125132"/>
-            <a:ext cx="10772775" cy="2345267"/>
+            <a:off x="657223" y="499533"/>
+            <a:ext cx="10772775" cy="1658198"/>
           </a:xfrm>
           <a:prstGeom prst="rect">
             <a:avLst/>
@@ -8970,6 +8855,685 @@
             </a:lvl1pPr>
           </a:lstStyle>
           <a:p>
+            <a:r>
+              <a:rPr lang="pt-PT" sz="5400" b="1" dirty="0"/>
+              <a:t>A melhorar</a:t>
+            </a:r>
+          </a:p>
+        </p:txBody>
+      </p:sp>
+      <p:pic>
+        <p:nvPicPr>
+          <p:cNvPr id="2" name="Picture 1"/>
+          <p:cNvPicPr>
+            <a:picLocks noChangeAspect="1"/>
+          </p:cNvPicPr>
+          <p:nvPr/>
+        </p:nvPicPr>
+        <p:blipFill>
+          <a:blip r:embed="rId2">
+            <a:extLst>
+              <a:ext uri="{28A0092B-C50C-407E-A947-70E740481C1C}">
+                <a14:useLocalDpi xmlns:a14="http://schemas.microsoft.com/office/drawing/2010/main" val="0"/>
+              </a:ext>
+            </a:extLst>
+          </a:blip>
+          <a:stretch>
+            <a:fillRect/>
+          </a:stretch>
+        </p:blipFill>
+        <p:spPr>
+          <a:xfrm>
+            <a:off x="7027193" y="3697357"/>
+            <a:ext cx="3458460" cy="3458460"/>
+          </a:xfrm>
+          <a:prstGeom prst="rect">
+            <a:avLst/>
+          </a:prstGeom>
+        </p:spPr>
+      </p:pic>
+    </p:spTree>
+    <p:extLst>
+      <p:ext uri="{BB962C8B-B14F-4D97-AF65-F5344CB8AC3E}">
+        <p14:creationId xmlns:p14="http://schemas.microsoft.com/office/powerpoint/2010/main" val="3288729293"/>
+      </p:ext>
+    </p:extLst>
+  </p:cSld>
+  <p:clrMapOvr>
+    <a:masterClrMapping/>
+  </p:clrMapOvr>
+  <mc:AlternateContent xmlns:mc="http://schemas.openxmlformats.org/markup-compatibility/2006">
+    <mc:Choice xmlns:p14="http://schemas.microsoft.com/office/powerpoint/2010/main" Requires="p14">
+      <p:transition spd="med">
+        <p14:ferris dir="l"/>
+      </p:transition>
+    </mc:Choice>
+    <mc:Fallback>
+      <p:transition spd="med">
+        <p:fade/>
+      </p:transition>
+    </mc:Fallback>
+  </mc:AlternateContent>
+</p:sld>
+</file>
+
+<file path=ppt/slides/slide22.xml><?xml version="1.0" encoding="utf-8"?>
+<p:sld xmlns:a="http://schemas.openxmlformats.org/drawingml/2006/main" xmlns:r="http://schemas.openxmlformats.org/officeDocument/2006/relationships" xmlns:p="http://schemas.openxmlformats.org/presentationml/2006/main">
+  <p:cSld>
+    <p:spTree>
+      <p:nvGrpSpPr>
+        <p:cNvPr id="1" name=""/>
+        <p:cNvGrpSpPr/>
+        <p:nvPr/>
+      </p:nvGrpSpPr>
+      <p:grpSpPr>
+        <a:xfrm>
+          <a:off x="0" y="0"/>
+          <a:ext cx="0" cy="0"/>
+          <a:chOff x="0" y="0"/>
+          <a:chExt cx="0" cy="0"/>
+        </a:xfrm>
+      </p:grpSpPr>
+      <p:sp>
+        <p:nvSpPr>
+          <p:cNvPr id="3" name="Content Placeholder 2"/>
+          <p:cNvSpPr>
+            <a:spLocks noGrp="1"/>
+          </p:cNvSpPr>
+          <p:nvPr>
+            <p:ph idx="1"/>
+          </p:nvPr>
+        </p:nvSpPr>
+        <p:spPr>
+          <a:xfrm>
+            <a:off x="514421" y="1946856"/>
+            <a:ext cx="11489511" cy="4281223"/>
+          </a:xfrm>
+        </p:spPr>
+        <p:txBody>
+          <a:bodyPr>
+            <a:normAutofit/>
+          </a:bodyPr>
+          <a:lstStyle/>
+          <a:p>
+            <a:r>
+              <a:rPr lang="pt-PT" dirty="0"/>
+              <a:t>Documentação disciplina</a:t>
+            </a:r>
+          </a:p>
+          <a:p>
+            <a:r>
+              <a:rPr lang="pt-PT" dirty="0"/>
+              <a:t>Documentação </a:t>
+            </a:r>
+            <a:r>
+              <a:rPr lang="pt-PT" dirty="0" err="1"/>
+              <a:t>OpenCV</a:t>
+            </a:r>
+            <a:r>
+              <a:rPr lang="pt-PT" dirty="0"/>
+              <a:t> 3.2</a:t>
+            </a:r>
+          </a:p>
+          <a:p>
+            <a:r>
+              <a:rPr lang="pt-PT" dirty="0" err="1"/>
+              <a:t>Accurate</a:t>
+            </a:r>
+            <a:r>
+              <a:rPr lang="pt-PT" dirty="0"/>
+              <a:t> </a:t>
+            </a:r>
+            <a:r>
+              <a:rPr lang="pt-PT" dirty="0" err="1"/>
+              <a:t>Eye</a:t>
+            </a:r>
+            <a:r>
+              <a:rPr lang="pt-PT" dirty="0"/>
+              <a:t> centre </a:t>
+            </a:r>
+            <a:r>
+              <a:rPr lang="pt-PT" dirty="0" err="1"/>
+              <a:t>localization</a:t>
+            </a:r>
+            <a:r>
+              <a:rPr lang="pt-PT" dirty="0"/>
+              <a:t> </a:t>
+            </a:r>
+            <a:r>
+              <a:rPr lang="pt-PT" dirty="0" err="1"/>
+              <a:t>by</a:t>
+            </a:r>
+            <a:r>
+              <a:rPr lang="pt-PT" dirty="0"/>
+              <a:t> </a:t>
+            </a:r>
+            <a:r>
+              <a:rPr lang="pt-PT" dirty="0" err="1"/>
+              <a:t>means</a:t>
+            </a:r>
+            <a:r>
+              <a:rPr lang="pt-PT" dirty="0"/>
+              <a:t> </a:t>
+            </a:r>
+            <a:r>
+              <a:rPr lang="pt-PT" dirty="0" err="1"/>
+              <a:t>of</a:t>
+            </a:r>
+            <a:r>
+              <a:rPr lang="pt-PT" dirty="0"/>
+              <a:t> </a:t>
+            </a:r>
+            <a:r>
+              <a:rPr lang="pt-PT" dirty="0" err="1"/>
+              <a:t>Gradients</a:t>
+            </a:r>
+            <a:endParaRPr lang="pt-PT" dirty="0"/>
+          </a:p>
+          <a:p>
+            <a:r>
+              <a:rPr lang="pt-PT" dirty="0" err="1"/>
+              <a:t>Haar</a:t>
+            </a:r>
+            <a:r>
+              <a:rPr lang="pt-PT" dirty="0"/>
+              <a:t> </a:t>
+            </a:r>
+            <a:r>
+              <a:rPr lang="pt-PT" dirty="0" err="1"/>
+              <a:t>Cascades</a:t>
+            </a:r>
+            <a:r>
+              <a:rPr lang="pt-PT" dirty="0"/>
+              <a:t> - alereimondo.no-ip.org/</a:t>
+            </a:r>
+            <a:r>
+              <a:rPr lang="pt-PT" dirty="0" err="1"/>
+              <a:t>OpenCV</a:t>
+            </a:r>
+            <a:r>
+              <a:rPr lang="pt-PT" dirty="0"/>
+              <a:t>/34</a:t>
+            </a:r>
+          </a:p>
+          <a:p>
+            <a:r>
+              <a:rPr lang="pt-PT" dirty="0"/>
+              <a:t>Face </a:t>
+            </a:r>
+            <a:r>
+              <a:rPr lang="pt-PT" dirty="0" err="1"/>
+              <a:t>and</a:t>
+            </a:r>
+            <a:r>
+              <a:rPr lang="pt-PT" dirty="0"/>
+              <a:t> facial </a:t>
+            </a:r>
+            <a:r>
+              <a:rPr lang="pt-PT" dirty="0" err="1"/>
+              <a:t>feature</a:t>
+            </a:r>
+            <a:r>
+              <a:rPr lang="pt-PT" dirty="0"/>
+              <a:t> </a:t>
+            </a:r>
+            <a:r>
+              <a:rPr lang="pt-PT" dirty="0" err="1"/>
+              <a:t>detection</a:t>
+            </a:r>
+            <a:r>
+              <a:rPr lang="pt-PT" dirty="0"/>
+              <a:t> </a:t>
+            </a:r>
+            <a:r>
+              <a:rPr lang="pt-PT" dirty="0" err="1"/>
+              <a:t>evaluation</a:t>
+            </a:r>
+            <a:endParaRPr lang="pt-PT" dirty="0"/>
+          </a:p>
+          <a:p>
+            <a:r>
+              <a:rPr lang="pt-PT" dirty="0"/>
+              <a:t>cseweb.ucsd.edu/~yuc007/documents/thermal.pdf</a:t>
+            </a:r>
+          </a:p>
+          <a:p>
+            <a:r>
+              <a:rPr lang="pt-PT" dirty="0"/>
+              <a:t>www.pureengineering.com/projects/lepton</a:t>
+            </a:r>
+          </a:p>
+        </p:txBody>
+      </p:sp>
+      <p:sp>
+        <p:nvSpPr>
+          <p:cNvPr id="10" name="Slide Number Placeholder 9"/>
+          <p:cNvSpPr txBox="1">
+            <a:spLocks/>
+          </p:cNvSpPr>
+          <p:nvPr/>
+        </p:nvSpPr>
+        <p:spPr>
+          <a:xfrm>
+            <a:off x="10179423" y="5661212"/>
+            <a:ext cx="1550924" cy="954741"/>
+          </a:xfrm>
+          <a:prstGeom prst="rect">
+            <a:avLst/>
+          </a:prstGeom>
+        </p:spPr>
+        <p:txBody>
+          <a:bodyPr vert="horz" lIns="91440" tIns="45720" rIns="91440" bIns="45720" rtlCol="0" anchor="ctr"/>
+          <a:lstStyle>
+            <a:defPPr>
+              <a:defRPr lang="en-US"/>
+            </a:defPPr>
+            <a:lvl1pPr marL="0" algn="r" defTabSz="457200" rtl="0" eaLnBrk="1" latinLnBrk="0" hangingPunct="1">
+              <a:defRPr sz="1200" kern="1200">
+                <a:solidFill>
+                  <a:schemeClr val="tx1">
+                    <a:tint val="75000"/>
+                  </a:schemeClr>
+                </a:solidFill>
+                <a:latin typeface="+mn-lt"/>
+                <a:ea typeface="+mn-ea"/>
+                <a:cs typeface="+mn-cs"/>
+              </a:defRPr>
+            </a:lvl1pPr>
+            <a:lvl2pPr marL="457200" algn="l" defTabSz="457200" rtl="0" eaLnBrk="1" latinLnBrk="0" hangingPunct="1">
+              <a:defRPr sz="1800" kern="1200">
+                <a:solidFill>
+                  <a:schemeClr val="tx1"/>
+                </a:solidFill>
+                <a:latin typeface="+mn-lt"/>
+                <a:ea typeface="+mn-ea"/>
+                <a:cs typeface="+mn-cs"/>
+              </a:defRPr>
+            </a:lvl2pPr>
+            <a:lvl3pPr marL="914400" algn="l" defTabSz="457200" rtl="0" eaLnBrk="1" latinLnBrk="0" hangingPunct="1">
+              <a:defRPr sz="1800" kern="1200">
+                <a:solidFill>
+                  <a:schemeClr val="tx1"/>
+                </a:solidFill>
+                <a:latin typeface="+mn-lt"/>
+                <a:ea typeface="+mn-ea"/>
+                <a:cs typeface="+mn-cs"/>
+              </a:defRPr>
+            </a:lvl3pPr>
+            <a:lvl4pPr marL="1371600" algn="l" defTabSz="457200" rtl="0" eaLnBrk="1" latinLnBrk="0" hangingPunct="1">
+              <a:defRPr sz="1800" kern="1200">
+                <a:solidFill>
+                  <a:schemeClr val="tx1"/>
+                </a:solidFill>
+                <a:latin typeface="+mn-lt"/>
+                <a:ea typeface="+mn-ea"/>
+                <a:cs typeface="+mn-cs"/>
+              </a:defRPr>
+            </a:lvl4pPr>
+            <a:lvl5pPr marL="1828800" algn="l" defTabSz="457200" rtl="0" eaLnBrk="1" latinLnBrk="0" hangingPunct="1">
+              <a:defRPr sz="1800" kern="1200">
+                <a:solidFill>
+                  <a:schemeClr val="tx1"/>
+                </a:solidFill>
+                <a:latin typeface="+mn-lt"/>
+                <a:ea typeface="+mn-ea"/>
+                <a:cs typeface="+mn-cs"/>
+              </a:defRPr>
+            </a:lvl5pPr>
+            <a:lvl6pPr marL="2286000" algn="l" defTabSz="457200" rtl="0" eaLnBrk="1" latinLnBrk="0" hangingPunct="1">
+              <a:defRPr sz="1800" kern="1200">
+                <a:solidFill>
+                  <a:schemeClr val="tx1"/>
+                </a:solidFill>
+                <a:latin typeface="+mn-lt"/>
+                <a:ea typeface="+mn-ea"/>
+                <a:cs typeface="+mn-cs"/>
+              </a:defRPr>
+            </a:lvl6pPr>
+            <a:lvl7pPr marL="2743200" algn="l" defTabSz="457200" rtl="0" eaLnBrk="1" latinLnBrk="0" hangingPunct="1">
+              <a:defRPr sz="1800" kern="1200">
+                <a:solidFill>
+                  <a:schemeClr val="tx1"/>
+                </a:solidFill>
+                <a:latin typeface="+mn-lt"/>
+                <a:ea typeface="+mn-ea"/>
+                <a:cs typeface="+mn-cs"/>
+              </a:defRPr>
+            </a:lvl7pPr>
+            <a:lvl8pPr marL="3200400" algn="l" defTabSz="457200" rtl="0" eaLnBrk="1" latinLnBrk="0" hangingPunct="1">
+              <a:defRPr sz="1800" kern="1200">
+                <a:solidFill>
+                  <a:schemeClr val="tx1"/>
+                </a:solidFill>
+                <a:latin typeface="+mn-lt"/>
+                <a:ea typeface="+mn-ea"/>
+                <a:cs typeface="+mn-cs"/>
+              </a:defRPr>
+            </a:lvl8pPr>
+            <a:lvl9pPr marL="3657600" algn="l" defTabSz="457200" rtl="0" eaLnBrk="1" latinLnBrk="0" hangingPunct="1">
+              <a:defRPr sz="1800" kern="1200">
+                <a:solidFill>
+                  <a:schemeClr val="tx1"/>
+                </a:solidFill>
+                <a:latin typeface="+mn-lt"/>
+                <a:ea typeface="+mn-ea"/>
+                <a:cs typeface="+mn-cs"/>
+              </a:defRPr>
+            </a:lvl9pPr>
+          </a:lstStyle>
+          <a:p>
+            <a:fld id="{314730DC-B0D2-40B4-833E-D6BD1CDAC76B}" type="slidenum">
+              <a:rPr lang="pt-PT" sz="6600" smtClean="0">
+                <a:solidFill>
+                  <a:schemeClr val="tx1"/>
+                </a:solidFill>
+              </a:rPr>
+              <a:pPr/>
+              <a:t>22</a:t>
+            </a:fld>
+            <a:endParaRPr lang="pt-PT" sz="6600" dirty="0">
+              <a:solidFill>
+                <a:schemeClr val="tx1"/>
+              </a:solidFill>
+            </a:endParaRPr>
+          </a:p>
+        </p:txBody>
+      </p:sp>
+      <p:sp>
+        <p:nvSpPr>
+          <p:cNvPr id="9" name="Title 1"/>
+          <p:cNvSpPr txBox="1">
+            <a:spLocks/>
+          </p:cNvSpPr>
+          <p:nvPr/>
+        </p:nvSpPr>
+        <p:spPr>
+          <a:xfrm>
+            <a:off x="657224" y="499533"/>
+            <a:ext cx="10772775" cy="1658198"/>
+          </a:xfrm>
+          <a:prstGeom prst="rect">
+            <a:avLst/>
+          </a:prstGeom>
+        </p:spPr>
+        <p:txBody>
+          <a:bodyPr vert="horz" lIns="91440" tIns="45720" rIns="91440" bIns="45720" rtlCol="0" anchor="ctr">
+            <a:normAutofit/>
+          </a:bodyPr>
+          <a:lstStyle>
+            <a:lvl1pPr algn="l" defTabSz="914400" rtl="0" eaLnBrk="1" latinLnBrk="0" hangingPunct="1">
+              <a:lnSpc>
+                <a:spcPct val="90000"/>
+              </a:lnSpc>
+              <a:spcBef>
+                <a:spcPct val="0"/>
+              </a:spcBef>
+              <a:buNone/>
+              <a:defRPr sz="4400" kern="1200">
+                <a:solidFill>
+                  <a:schemeClr val="tx1"/>
+                </a:solidFill>
+                <a:latin typeface="+mj-lt"/>
+                <a:ea typeface="+mj-ea"/>
+                <a:cs typeface="+mj-cs"/>
+              </a:defRPr>
+            </a:lvl1pPr>
+          </a:lstStyle>
+          <a:p>
+            <a:r>
+              <a:rPr lang="pt-PT" sz="5400" b="1" dirty="0"/>
+              <a:t>Referências</a:t>
+            </a:r>
+          </a:p>
+        </p:txBody>
+      </p:sp>
+      <p:pic>
+        <p:nvPicPr>
+          <p:cNvPr id="2" name="Picture 1"/>
+          <p:cNvPicPr>
+            <a:picLocks noChangeAspect="1"/>
+          </p:cNvPicPr>
+          <p:nvPr/>
+        </p:nvPicPr>
+        <p:blipFill>
+          <a:blip r:embed="rId3">
+            <a:extLst>
+              <a:ext uri="{28A0092B-C50C-407E-A947-70E740481C1C}">
+                <a14:useLocalDpi xmlns:a14="http://schemas.microsoft.com/office/drawing/2010/main" val="0"/>
+              </a:ext>
+            </a:extLst>
+          </a:blip>
+          <a:stretch>
+            <a:fillRect/>
+          </a:stretch>
+        </p:blipFill>
+        <p:spPr>
+          <a:xfrm>
+            <a:off x="9069970" y="2693373"/>
+            <a:ext cx="2788188" cy="2788188"/>
+          </a:xfrm>
+          <a:prstGeom prst="rect">
+            <a:avLst/>
+          </a:prstGeom>
+        </p:spPr>
+      </p:pic>
+    </p:spTree>
+    <p:extLst>
+      <p:ext uri="{BB962C8B-B14F-4D97-AF65-F5344CB8AC3E}">
+        <p14:creationId xmlns:p14="http://schemas.microsoft.com/office/powerpoint/2010/main" val="1948292770"/>
+      </p:ext>
+    </p:extLst>
+  </p:cSld>
+  <p:clrMapOvr>
+    <a:masterClrMapping/>
+  </p:clrMapOvr>
+  <mc:AlternateContent xmlns:mc="http://schemas.openxmlformats.org/markup-compatibility/2006">
+    <mc:Choice xmlns:p14="http://schemas.microsoft.com/office/powerpoint/2010/main" Requires="p14">
+      <p:transition spd="med">
+        <p14:ferris dir="l"/>
+      </p:transition>
+    </mc:Choice>
+    <mc:Fallback>
+      <p:transition spd="med">
+        <p:fade/>
+      </p:transition>
+    </mc:Fallback>
+  </mc:AlternateContent>
+</p:sld>
+</file>
+
+<file path=ppt/slides/slide23.xml><?xml version="1.0" encoding="utf-8"?>
+<p:sld xmlns:a="http://schemas.openxmlformats.org/drawingml/2006/main" xmlns:r="http://schemas.openxmlformats.org/officeDocument/2006/relationships" xmlns:p="http://schemas.openxmlformats.org/presentationml/2006/main">
+  <p:cSld>
+    <p:spTree>
+      <p:nvGrpSpPr>
+        <p:cNvPr id="1" name=""/>
+        <p:cNvGrpSpPr/>
+        <p:nvPr/>
+      </p:nvGrpSpPr>
+      <p:grpSpPr>
+        <a:xfrm>
+          <a:off x="0" y="0"/>
+          <a:ext cx="0" cy="0"/>
+          <a:chOff x="0" y="0"/>
+          <a:chExt cx="0" cy="0"/>
+        </a:xfrm>
+      </p:grpSpPr>
+      <p:sp>
+        <p:nvSpPr>
+          <p:cNvPr id="10" name="Slide Number Placeholder 9"/>
+          <p:cNvSpPr txBox="1">
+            <a:spLocks/>
+          </p:cNvSpPr>
+          <p:nvPr/>
+        </p:nvSpPr>
+        <p:spPr>
+          <a:xfrm>
+            <a:off x="10179423" y="5661212"/>
+            <a:ext cx="1550924" cy="954741"/>
+          </a:xfrm>
+          <a:prstGeom prst="rect">
+            <a:avLst/>
+          </a:prstGeom>
+        </p:spPr>
+        <p:txBody>
+          <a:bodyPr vert="horz" lIns="91440" tIns="45720" rIns="91440" bIns="45720" rtlCol="0" anchor="ctr"/>
+          <a:lstStyle>
+            <a:defPPr>
+              <a:defRPr lang="en-US"/>
+            </a:defPPr>
+            <a:lvl1pPr marL="0" algn="r" defTabSz="457200" rtl="0" eaLnBrk="1" latinLnBrk="0" hangingPunct="1">
+              <a:defRPr sz="1200" kern="1200">
+                <a:solidFill>
+                  <a:schemeClr val="tx1">
+                    <a:tint val="75000"/>
+                  </a:schemeClr>
+                </a:solidFill>
+                <a:latin typeface="+mn-lt"/>
+                <a:ea typeface="+mn-ea"/>
+                <a:cs typeface="+mn-cs"/>
+              </a:defRPr>
+            </a:lvl1pPr>
+            <a:lvl2pPr marL="457200" algn="l" defTabSz="457200" rtl="0" eaLnBrk="1" latinLnBrk="0" hangingPunct="1">
+              <a:defRPr sz="1800" kern="1200">
+                <a:solidFill>
+                  <a:schemeClr val="tx1"/>
+                </a:solidFill>
+                <a:latin typeface="+mn-lt"/>
+                <a:ea typeface="+mn-ea"/>
+                <a:cs typeface="+mn-cs"/>
+              </a:defRPr>
+            </a:lvl2pPr>
+            <a:lvl3pPr marL="914400" algn="l" defTabSz="457200" rtl="0" eaLnBrk="1" latinLnBrk="0" hangingPunct="1">
+              <a:defRPr sz="1800" kern="1200">
+                <a:solidFill>
+                  <a:schemeClr val="tx1"/>
+                </a:solidFill>
+                <a:latin typeface="+mn-lt"/>
+                <a:ea typeface="+mn-ea"/>
+                <a:cs typeface="+mn-cs"/>
+              </a:defRPr>
+            </a:lvl3pPr>
+            <a:lvl4pPr marL="1371600" algn="l" defTabSz="457200" rtl="0" eaLnBrk="1" latinLnBrk="0" hangingPunct="1">
+              <a:defRPr sz="1800" kern="1200">
+                <a:solidFill>
+                  <a:schemeClr val="tx1"/>
+                </a:solidFill>
+                <a:latin typeface="+mn-lt"/>
+                <a:ea typeface="+mn-ea"/>
+                <a:cs typeface="+mn-cs"/>
+              </a:defRPr>
+            </a:lvl4pPr>
+            <a:lvl5pPr marL="1828800" algn="l" defTabSz="457200" rtl="0" eaLnBrk="1" latinLnBrk="0" hangingPunct="1">
+              <a:defRPr sz="1800" kern="1200">
+                <a:solidFill>
+                  <a:schemeClr val="tx1"/>
+                </a:solidFill>
+                <a:latin typeface="+mn-lt"/>
+                <a:ea typeface="+mn-ea"/>
+                <a:cs typeface="+mn-cs"/>
+              </a:defRPr>
+            </a:lvl5pPr>
+            <a:lvl6pPr marL="2286000" algn="l" defTabSz="457200" rtl="0" eaLnBrk="1" latinLnBrk="0" hangingPunct="1">
+              <a:defRPr sz="1800" kern="1200">
+                <a:solidFill>
+                  <a:schemeClr val="tx1"/>
+                </a:solidFill>
+                <a:latin typeface="+mn-lt"/>
+                <a:ea typeface="+mn-ea"/>
+                <a:cs typeface="+mn-cs"/>
+              </a:defRPr>
+            </a:lvl6pPr>
+            <a:lvl7pPr marL="2743200" algn="l" defTabSz="457200" rtl="0" eaLnBrk="1" latinLnBrk="0" hangingPunct="1">
+              <a:defRPr sz="1800" kern="1200">
+                <a:solidFill>
+                  <a:schemeClr val="tx1"/>
+                </a:solidFill>
+                <a:latin typeface="+mn-lt"/>
+                <a:ea typeface="+mn-ea"/>
+                <a:cs typeface="+mn-cs"/>
+              </a:defRPr>
+            </a:lvl7pPr>
+            <a:lvl8pPr marL="3200400" algn="l" defTabSz="457200" rtl="0" eaLnBrk="1" latinLnBrk="0" hangingPunct="1">
+              <a:defRPr sz="1800" kern="1200">
+                <a:solidFill>
+                  <a:schemeClr val="tx1"/>
+                </a:solidFill>
+                <a:latin typeface="+mn-lt"/>
+                <a:ea typeface="+mn-ea"/>
+                <a:cs typeface="+mn-cs"/>
+              </a:defRPr>
+            </a:lvl8pPr>
+            <a:lvl9pPr marL="3657600" algn="l" defTabSz="457200" rtl="0" eaLnBrk="1" latinLnBrk="0" hangingPunct="1">
+              <a:defRPr sz="1800" kern="1200">
+                <a:solidFill>
+                  <a:schemeClr val="tx1"/>
+                </a:solidFill>
+                <a:latin typeface="+mn-lt"/>
+                <a:ea typeface="+mn-ea"/>
+                <a:cs typeface="+mn-cs"/>
+              </a:defRPr>
+            </a:lvl9pPr>
+          </a:lstStyle>
+          <a:p>
+            <a:fld id="{314730DC-B0D2-40B4-833E-D6BD1CDAC76B}" type="slidenum">
+              <a:rPr lang="pt-PT" sz="6600" smtClean="0">
+                <a:solidFill>
+                  <a:schemeClr val="tx1"/>
+                </a:solidFill>
+              </a:rPr>
+              <a:pPr/>
+              <a:t>23</a:t>
+            </a:fld>
+            <a:endParaRPr lang="pt-PT" sz="6600" dirty="0">
+              <a:solidFill>
+                <a:schemeClr val="tx1"/>
+              </a:solidFill>
+            </a:endParaRPr>
+          </a:p>
+        </p:txBody>
+      </p:sp>
+      <p:sp>
+        <p:nvSpPr>
+          <p:cNvPr id="9" name="Title 1"/>
+          <p:cNvSpPr txBox="1">
+            <a:spLocks/>
+          </p:cNvSpPr>
+          <p:nvPr/>
+        </p:nvSpPr>
+        <p:spPr>
+          <a:xfrm>
+            <a:off x="787853" y="2125132"/>
+            <a:ext cx="10772775" cy="2345267"/>
+          </a:xfrm>
+          <a:prstGeom prst="rect">
+            <a:avLst/>
+          </a:prstGeom>
+        </p:spPr>
+        <p:txBody>
+          <a:bodyPr vert="horz" lIns="91440" tIns="45720" rIns="91440" bIns="45720" rtlCol="0" anchor="ctr">
+            <a:normAutofit/>
+          </a:bodyPr>
+          <a:lstStyle>
+            <a:lvl1pPr algn="l" defTabSz="914400" rtl="0" eaLnBrk="1" latinLnBrk="0" hangingPunct="1">
+              <a:lnSpc>
+                <a:spcPct val="90000"/>
+              </a:lnSpc>
+              <a:spcBef>
+                <a:spcPct val="0"/>
+              </a:spcBef>
+              <a:buNone/>
+              <a:defRPr sz="4400" kern="1200">
+                <a:solidFill>
+                  <a:schemeClr val="tx1"/>
+                </a:solidFill>
+                <a:latin typeface="+mj-lt"/>
+                <a:ea typeface="+mj-ea"/>
+                <a:cs typeface="+mj-cs"/>
+              </a:defRPr>
+            </a:lvl1pPr>
+          </a:lstStyle>
+          <a:p>
             <a:pPr algn="ctr"/>
             <a:r>
               <a:rPr lang="pt-PT" sz="7200" b="1" dirty="0"/>
@@ -8988,13 +9552,13 @@
   <p:clrMapOvr>
     <a:masterClrMapping/>
   </p:clrMapOvr>
-  <mc:AlternateContent xmlns:mc="http://schemas.openxmlformats.org/markup-compatibility/2006" xmlns:p14="http://schemas.microsoft.com/office/powerpoint/2010/main">
-    <mc:Choice Requires="p14">
+  <mc:AlternateContent xmlns:mc="http://schemas.openxmlformats.org/markup-compatibility/2006">
+    <mc:Choice xmlns:p14="http://schemas.microsoft.com/office/powerpoint/2010/main" Requires="p14">
       <p:transition spd="med">
         <p14:ferris dir="l"/>
       </p:transition>
     </mc:Choice>
-    <mc:Fallback xmlns="">
+    <mc:Fallback>
       <p:transition spd="med">
         <p:fade/>
       </p:transition>
@@ -9033,7 +9597,7 @@
         <p:spPr>
           <a:xfrm>
             <a:off x="838200" y="1825624"/>
-            <a:ext cx="9629273" cy="3708901"/>
+            <a:ext cx="10302025" cy="3708901"/>
           </a:xfrm>
         </p:spPr>
         <p:txBody>
@@ -9055,7 +9619,7 @@
           <a:p>
             <a:r>
               <a:rPr lang="pt-PT" dirty="0"/>
-              <a:t>Quantidade grande de </a:t>
+              <a:t>Grande quantidade de </a:t>
             </a:r>
             <a:r>
               <a:rPr lang="pt-PT" dirty="0" err="1"/>
@@ -9063,7 +9627,7 @@
             </a:r>
             <a:r>
               <a:rPr lang="pt-PT" dirty="0"/>
-              <a:t> treinadas disponíveis online</a:t>
+              <a:t> “bem” treinadas disponíveis online</a:t>
             </a:r>
           </a:p>
           <a:p>
@@ -9320,13 +9884,13 @@
   <p:clrMapOvr>
     <a:masterClrMapping/>
   </p:clrMapOvr>
-  <mc:AlternateContent xmlns:mc="http://schemas.openxmlformats.org/markup-compatibility/2006" xmlns:p14="http://schemas.microsoft.com/office/powerpoint/2010/main">
-    <mc:Choice Requires="p14">
+  <mc:AlternateContent xmlns:mc="http://schemas.openxmlformats.org/markup-compatibility/2006">
+    <mc:Choice xmlns:p14="http://schemas.microsoft.com/office/powerpoint/2010/main" Requires="p14">
       <p:transition spd="med">
         <p14:ferris dir="l"/>
       </p:transition>
     </mc:Choice>
-    <mc:Fallback xmlns="">
+    <mc:Fallback>
       <p:transition spd="med">
         <p:fade/>
       </p:transition>
@@ -9568,13 +10132,13 @@
   <p:clrMapOvr>
     <a:masterClrMapping/>
   </p:clrMapOvr>
-  <mc:AlternateContent xmlns:mc="http://schemas.openxmlformats.org/markup-compatibility/2006" xmlns:p14="http://schemas.microsoft.com/office/powerpoint/2010/main">
-    <mc:Choice Requires="p14">
+  <mc:AlternateContent xmlns:mc="http://schemas.openxmlformats.org/markup-compatibility/2006">
+    <mc:Choice xmlns:p14="http://schemas.microsoft.com/office/powerpoint/2010/main" Requires="p14">
       <p:transition spd="med">
         <p14:ferris dir="l"/>
       </p:transition>
     </mc:Choice>
-    <mc:Fallback xmlns="">
+    <mc:Fallback>
       <p:transition spd="med">
         <p:fade/>
       </p:transition>
@@ -10008,13 +10572,13 @@
   <p:clrMapOvr>
     <a:masterClrMapping/>
   </p:clrMapOvr>
-  <mc:AlternateContent xmlns:mc="http://schemas.openxmlformats.org/markup-compatibility/2006" xmlns:p14="http://schemas.microsoft.com/office/powerpoint/2010/main">
-    <mc:Choice Requires="p14">
+  <mc:AlternateContent xmlns:mc="http://schemas.openxmlformats.org/markup-compatibility/2006">
+    <mc:Choice xmlns:p14="http://schemas.microsoft.com/office/powerpoint/2010/main" Requires="p14">
       <p:transition spd="med">
         <p14:ferris dir="l"/>
       </p:transition>
     </mc:Choice>
-    <mc:Fallback xmlns="">
+    <mc:Fallback>
       <p:transition spd="med">
         <p:fade/>
       </p:transition>
@@ -10473,13 +11037,13 @@
   <p:clrMapOvr>
     <a:masterClrMapping/>
   </p:clrMapOvr>
-  <mc:AlternateContent xmlns:mc="http://schemas.openxmlformats.org/markup-compatibility/2006" xmlns:p14="http://schemas.microsoft.com/office/powerpoint/2010/main">
-    <mc:Choice Requires="p14">
+  <mc:AlternateContent xmlns:mc="http://schemas.openxmlformats.org/markup-compatibility/2006">
+    <mc:Choice xmlns:p14="http://schemas.microsoft.com/office/powerpoint/2010/main" Requires="p14">
       <p:transition spd="med">
         <p14:ferris dir="l"/>
       </p:transition>
     </mc:Choice>
-    <mc:Fallback xmlns="">
+    <mc:Fallback>
       <p:transition spd="med">
         <p:fade/>
       </p:transition>
@@ -10730,13 +11294,13 @@
   <p:clrMapOvr>
     <a:masterClrMapping/>
   </p:clrMapOvr>
-  <mc:AlternateContent xmlns:mc="http://schemas.openxmlformats.org/markup-compatibility/2006" xmlns:p14="http://schemas.microsoft.com/office/powerpoint/2010/main">
-    <mc:Choice Requires="p14">
+  <mc:AlternateContent xmlns:mc="http://schemas.openxmlformats.org/markup-compatibility/2006">
+    <mc:Choice xmlns:p14="http://schemas.microsoft.com/office/powerpoint/2010/main" Requires="p14">
       <p:transition spd="med">
         <p14:ferris dir="l"/>
       </p:transition>
     </mc:Choice>
-    <mc:Fallback xmlns="">
+    <mc:Fallback>
       <p:transition spd="med">
         <p:fade/>
       </p:transition>
@@ -10980,13 +11544,13 @@
   <p:clrMapOvr>
     <a:masterClrMapping/>
   </p:clrMapOvr>
-  <mc:AlternateContent xmlns:mc="http://schemas.openxmlformats.org/markup-compatibility/2006" xmlns:p14="http://schemas.microsoft.com/office/powerpoint/2010/main">
-    <mc:Choice Requires="p14">
+  <mc:AlternateContent xmlns:mc="http://schemas.openxmlformats.org/markup-compatibility/2006">
+    <mc:Choice xmlns:p14="http://schemas.microsoft.com/office/powerpoint/2010/main" Requires="p14">
       <p:transition spd="med">
         <p14:ferris dir="l"/>
       </p:transition>
     </mc:Choice>
-    <mc:Fallback xmlns="">
+    <mc:Fallback>
       <p:transition spd="med">
         <p:fade/>
       </p:transition>
@@ -11400,13 +11964,13 @@
   <p:clrMapOvr>
     <a:masterClrMapping/>
   </p:clrMapOvr>
-  <mc:AlternateContent xmlns:mc="http://schemas.openxmlformats.org/markup-compatibility/2006" xmlns:p14="http://schemas.microsoft.com/office/powerpoint/2010/main">
-    <mc:Choice Requires="p14">
+  <mc:AlternateContent xmlns:mc="http://schemas.openxmlformats.org/markup-compatibility/2006">
+    <mc:Choice xmlns:p14="http://schemas.microsoft.com/office/powerpoint/2010/main" Requires="p14">
       <p:transition spd="med">
         <p14:ferris dir="l"/>
       </p:transition>
     </mc:Choice>
-    <mc:Fallback xmlns="">
+    <mc:Fallback>
       <p:transition spd="med">
         <p:fade/>
       </p:transition>
